--- a/K3s.pptx
+++ b/K3s.pptx
@@ -22,7 +22,16 @@
     <p:sldId id="272" r:id="rId16"/>
     <p:sldId id="273" r:id="rId17"/>
     <p:sldId id="257" r:id="rId18"/>
-    <p:sldId id="274" r:id="rId19"/>
+    <p:sldId id="275" r:id="rId19"/>
+    <p:sldId id="276" r:id="rId20"/>
+    <p:sldId id="277" r:id="rId21"/>
+    <p:sldId id="278" r:id="rId22"/>
+    <p:sldId id="279" r:id="rId23"/>
+    <p:sldId id="280" r:id="rId24"/>
+    <p:sldId id="281" r:id="rId25"/>
+    <p:sldId id="282" r:id="rId26"/>
+    <p:sldId id="283" r:id="rId27"/>
+    <p:sldId id="274" r:id="rId28"/>
   </p:sldIdLst>
   <p:sldSz cx="12192000" cy="6858000"/>
   <p:notesSz cx="6858000" cy="9144000"/>
@@ -267,7 +276,7 @@
           <a:p>
             <a:fld id="{C764DE79-268F-4C1A-8933-263129D2AF90}" type="datetimeFigureOut">
               <a:rPr lang="en-US" dirty="0"/>
-              <a:t>13-May-21</a:t>
+              <a:t>21-May-21</a:t>
             </a:fld>
             <a:endParaRPr lang="en-US"/>
           </a:p>
@@ -435,7 +444,7 @@
           <a:p>
             <a:fld id="{C764DE79-268F-4C1A-8933-263129D2AF90}" type="datetimeFigureOut">
               <a:rPr lang="en-US" dirty="0"/>
-              <a:t>13-May-21</a:t>
+              <a:t>21-May-21</a:t>
             </a:fld>
             <a:endParaRPr lang="en-US"/>
           </a:p>
@@ -613,7 +622,7 @@
           <a:p>
             <a:fld id="{C764DE79-268F-4C1A-8933-263129D2AF90}" type="datetimeFigureOut">
               <a:rPr lang="en-US" dirty="0"/>
-              <a:t>13-May-21</a:t>
+              <a:t>21-May-21</a:t>
             </a:fld>
             <a:endParaRPr lang="en-US"/>
           </a:p>
@@ -781,7 +790,7 @@
           <a:p>
             <a:fld id="{C764DE79-268F-4C1A-8933-263129D2AF90}" type="datetimeFigureOut">
               <a:rPr lang="en-US" dirty="0"/>
-              <a:t>13-May-21</a:t>
+              <a:t>21-May-21</a:t>
             </a:fld>
             <a:endParaRPr lang="en-US"/>
           </a:p>
@@ -1026,7 +1035,7 @@
           <a:p>
             <a:fld id="{C764DE79-268F-4C1A-8933-263129D2AF90}" type="datetimeFigureOut">
               <a:rPr lang="en-US" dirty="0"/>
-              <a:t>13-May-21</a:t>
+              <a:t>21-May-21</a:t>
             </a:fld>
             <a:endParaRPr lang="en-US"/>
           </a:p>
@@ -1255,7 +1264,7 @@
           <a:p>
             <a:fld id="{C764DE79-268F-4C1A-8933-263129D2AF90}" type="datetimeFigureOut">
               <a:rPr lang="en-US" dirty="0"/>
-              <a:t>13-May-21</a:t>
+              <a:t>21-May-21</a:t>
             </a:fld>
             <a:endParaRPr lang="en-US"/>
           </a:p>
@@ -1619,7 +1628,7 @@
           <a:p>
             <a:fld id="{C764DE79-268F-4C1A-8933-263129D2AF90}" type="datetimeFigureOut">
               <a:rPr lang="en-US" dirty="0"/>
-              <a:t>13-May-21</a:t>
+              <a:t>21-May-21</a:t>
             </a:fld>
             <a:endParaRPr lang="en-US"/>
           </a:p>
@@ -1736,7 +1745,7 @@
           <a:p>
             <a:fld id="{C764DE79-268F-4C1A-8933-263129D2AF90}" type="datetimeFigureOut">
               <a:rPr lang="en-US" dirty="0"/>
-              <a:t>13-May-21</a:t>
+              <a:t>21-May-21</a:t>
             </a:fld>
             <a:endParaRPr lang="en-US"/>
           </a:p>
@@ -1831,7 +1840,7 @@
           <a:p>
             <a:fld id="{C764DE79-268F-4C1A-8933-263129D2AF90}" type="datetimeFigureOut">
               <a:rPr lang="en-US" dirty="0"/>
-              <a:t>13-May-21</a:t>
+              <a:t>21-May-21</a:t>
             </a:fld>
             <a:endParaRPr lang="en-US"/>
           </a:p>
@@ -2106,7 +2115,7 @@
           <a:p>
             <a:fld id="{C764DE79-268F-4C1A-8933-263129D2AF90}" type="datetimeFigureOut">
               <a:rPr lang="en-US" dirty="0"/>
-              <a:t>13-May-21</a:t>
+              <a:t>21-May-21</a:t>
             </a:fld>
             <a:endParaRPr lang="en-US"/>
           </a:p>
@@ -2358,7 +2367,7 @@
           <a:p>
             <a:fld id="{C764DE79-268F-4C1A-8933-263129D2AF90}" type="datetimeFigureOut">
               <a:rPr lang="en-US" dirty="0"/>
-              <a:t>13-May-21</a:t>
+              <a:t>21-May-21</a:t>
             </a:fld>
             <a:endParaRPr lang="en-US"/>
           </a:p>
@@ -2569,7 +2578,7 @@
           <a:p>
             <a:fld id="{C764DE79-268F-4C1A-8933-263129D2AF90}" type="datetimeFigureOut">
               <a:rPr lang="en-US" dirty="0"/>
-              <a:t>13-May-21</a:t>
+              <a:t>21-May-21</a:t>
             </a:fld>
             <a:endParaRPr lang="en-US"/>
           </a:p>
@@ -7585,6 +7594,2699 @@
 <file path=ppt/slides/slide18.xml><?xml version="1.0" encoding="utf-8"?>
 <p:sld xmlns:a="http://schemas.openxmlformats.org/drawingml/2006/main" xmlns:r="http://schemas.openxmlformats.org/officeDocument/2006/relationships" xmlns:p="http://schemas.openxmlformats.org/presentationml/2006/main">
   <p:cSld>
+    <p:spTree>
+      <p:nvGrpSpPr>
+        <p:cNvPr id="1" name=""/>
+        <p:cNvGrpSpPr/>
+        <p:nvPr/>
+      </p:nvGrpSpPr>
+      <p:grpSpPr>
+        <a:xfrm>
+          <a:off x="0" y="0"/>
+          <a:ext cx="0" cy="0"/>
+          <a:chOff x="0" y="0"/>
+          <a:chExt cx="0" cy="0"/>
+        </a:xfrm>
+      </p:grpSpPr>
+      <p:sp>
+        <p:nvSpPr>
+          <p:cNvPr id="2" name="Title 1">
+            <a:extLst>
+              <a:ext uri="{FF2B5EF4-FFF2-40B4-BE49-F238E27FC236}">
+                <a16:creationId xmlns:a16="http://schemas.microsoft.com/office/drawing/2014/main" id="{86F9A1EA-896C-4DE7-8EF6-870A0559F5C2}"/>
+              </a:ext>
+            </a:extLst>
+          </p:cNvPr>
+          <p:cNvSpPr>
+            <a:spLocks noGrp="1"/>
+          </p:cNvSpPr>
+          <p:nvPr>
+            <p:ph type="title"/>
+          </p:nvPr>
+        </p:nvSpPr>
+        <p:spPr/>
+        <p:txBody>
+          <a:bodyPr/>
+          <a:lstStyle/>
+          <a:p>
+            <a:r>
+              <a:rPr lang="en-US" dirty="0"/>
+              <a:t>Lightweight Kubernetes – K3s</a:t>
+            </a:r>
+          </a:p>
+        </p:txBody>
+      </p:sp>
+      <p:sp>
+        <p:nvSpPr>
+          <p:cNvPr id="3" name="Content Placeholder 2">
+            <a:extLst>
+              <a:ext uri="{FF2B5EF4-FFF2-40B4-BE49-F238E27FC236}">
+                <a16:creationId xmlns:a16="http://schemas.microsoft.com/office/drawing/2014/main" id="{D28584DD-8C36-470E-83F9-5CAB719EFF31}"/>
+              </a:ext>
+            </a:extLst>
+          </p:cNvPr>
+          <p:cNvSpPr>
+            <a:spLocks noGrp="1"/>
+          </p:cNvSpPr>
+          <p:nvPr>
+            <p:ph idx="1"/>
+          </p:nvPr>
+        </p:nvSpPr>
+        <p:spPr/>
+        <p:txBody>
+          <a:bodyPr/>
+          <a:lstStyle/>
+          <a:p>
+            <a:r>
+              <a:rPr lang="en-US" dirty="0"/>
+              <a:t>To je </a:t>
+            </a:r>
+            <a:r>
+              <a:rPr lang="en-US" dirty="0" err="1"/>
+              <a:t>distribucija</a:t>
+            </a:r>
+            <a:r>
+              <a:rPr lang="en-US" dirty="0"/>
+              <a:t> Kubernetes-a </a:t>
+            </a:r>
+            <a:r>
+              <a:rPr lang="en-US" dirty="0" err="1"/>
+              <a:t>koja</a:t>
+            </a:r>
+            <a:r>
+              <a:rPr lang="en-US" dirty="0"/>
+              <a:t> je </a:t>
+            </a:r>
+            <a:r>
+              <a:rPr lang="en-US" dirty="0" err="1"/>
+              <a:t>stvorena</a:t>
+            </a:r>
+            <a:r>
+              <a:rPr lang="en-US" dirty="0"/>
+              <a:t> za:</a:t>
+            </a:r>
+          </a:p>
+          <a:p>
+            <a:r>
+              <a:rPr lang="en-US" dirty="0"/>
+              <a:t>IOT</a:t>
+            </a:r>
+          </a:p>
+          <a:p>
+            <a:r>
+              <a:rPr lang="en-US" dirty="0"/>
+              <a:t>Edge computing</a:t>
+            </a:r>
+          </a:p>
+          <a:p>
+            <a:r>
+              <a:rPr lang="en-US" dirty="0"/>
+              <a:t>CI</a:t>
+            </a:r>
+          </a:p>
+          <a:p>
+            <a:r>
+              <a:rPr lang="en-US" dirty="0"/>
+              <a:t>Development</a:t>
+            </a:r>
+          </a:p>
+          <a:p>
+            <a:r>
+              <a:rPr lang="en-US" dirty="0"/>
+              <a:t>ARM</a:t>
+            </a:r>
+          </a:p>
+          <a:p>
+            <a:r>
+              <a:rPr lang="en-US" dirty="0" err="1"/>
+              <a:t>Ugradjeni</a:t>
+            </a:r>
+            <a:r>
+              <a:rPr lang="en-US" dirty="0"/>
+              <a:t> k8s </a:t>
+            </a:r>
+          </a:p>
+          <a:p>
+            <a:endParaRPr lang="en-US" dirty="0"/>
+          </a:p>
+        </p:txBody>
+      </p:sp>
+    </p:spTree>
+    <p:extLst>
+      <p:ext uri="{BB962C8B-B14F-4D97-AF65-F5344CB8AC3E}">
+        <p14:creationId xmlns:p14="http://schemas.microsoft.com/office/powerpoint/2010/main" val="567428845"/>
+      </p:ext>
+    </p:extLst>
+  </p:cSld>
+  <p:clrMapOvr>
+    <a:masterClrMapping/>
+  </p:clrMapOvr>
+</p:sld>
+</file>
+
+<file path=ppt/slides/slide19.xml><?xml version="1.0" encoding="utf-8"?>
+<p:sld xmlns:a="http://schemas.openxmlformats.org/drawingml/2006/main" xmlns:r="http://schemas.openxmlformats.org/officeDocument/2006/relationships" xmlns:p="http://schemas.openxmlformats.org/presentationml/2006/main">
+  <p:cSld>
+    <p:spTree>
+      <p:nvGrpSpPr>
+        <p:cNvPr id="1" name=""/>
+        <p:cNvGrpSpPr/>
+        <p:nvPr/>
+      </p:nvGrpSpPr>
+      <p:grpSpPr>
+        <a:xfrm>
+          <a:off x="0" y="0"/>
+          <a:ext cx="0" cy="0"/>
+          <a:chOff x="0" y="0"/>
+          <a:chExt cx="0" cy="0"/>
+        </a:xfrm>
+      </p:grpSpPr>
+      <p:sp>
+        <p:nvSpPr>
+          <p:cNvPr id="2" name="Title 1">
+            <a:extLst>
+              <a:ext uri="{FF2B5EF4-FFF2-40B4-BE49-F238E27FC236}">
+                <a16:creationId xmlns:a16="http://schemas.microsoft.com/office/drawing/2014/main" id="{360F8B8F-39FE-480F-B30E-A320802A3CE8}"/>
+              </a:ext>
+            </a:extLst>
+          </p:cNvPr>
+          <p:cNvSpPr>
+            <a:spLocks noGrp="1"/>
+          </p:cNvSpPr>
+          <p:nvPr>
+            <p:ph type="title"/>
+          </p:nvPr>
+        </p:nvSpPr>
+        <p:spPr/>
+        <p:txBody>
+          <a:bodyPr/>
+          <a:lstStyle/>
+          <a:p>
+            <a:r>
+              <a:rPr lang="en-US" dirty="0" err="1"/>
+              <a:t>Razlike</a:t>
+            </a:r>
+            <a:r>
+              <a:rPr lang="en-US" dirty="0"/>
+              <a:t> u </a:t>
+            </a:r>
+            <a:r>
+              <a:rPr lang="en-US" dirty="0" err="1"/>
+              <a:t>odnosu</a:t>
+            </a:r>
+            <a:r>
+              <a:rPr lang="en-US" dirty="0"/>
+              <a:t> </a:t>
+            </a:r>
+            <a:r>
+              <a:rPr lang="en-US" dirty="0" err="1"/>
+              <a:t>na</a:t>
+            </a:r>
+            <a:r>
+              <a:rPr lang="en-US" dirty="0"/>
+              <a:t> K8s</a:t>
+            </a:r>
+          </a:p>
+        </p:txBody>
+      </p:sp>
+      <p:sp>
+        <p:nvSpPr>
+          <p:cNvPr id="3" name="Content Placeholder 2">
+            <a:extLst>
+              <a:ext uri="{FF2B5EF4-FFF2-40B4-BE49-F238E27FC236}">
+                <a16:creationId xmlns:a16="http://schemas.microsoft.com/office/drawing/2014/main" id="{9CCE5EA7-751B-436E-81B5-6A25B8C4C880}"/>
+              </a:ext>
+            </a:extLst>
+          </p:cNvPr>
+          <p:cNvSpPr>
+            <a:spLocks noGrp="1"/>
+          </p:cNvSpPr>
+          <p:nvPr>
+            <p:ph idx="1"/>
+          </p:nvPr>
+        </p:nvSpPr>
+        <p:spPr/>
+        <p:txBody>
+          <a:bodyPr>
+            <a:normAutofit fontScale="92500"/>
+          </a:bodyPr>
+          <a:lstStyle/>
+          <a:p>
+            <a:r>
+              <a:rPr lang="en-US" dirty="0" err="1"/>
+              <a:t>Zapakovan</a:t>
+            </a:r>
+            <a:r>
+              <a:rPr lang="en-US" dirty="0"/>
+              <a:t> je u </a:t>
+            </a:r>
+            <a:r>
+              <a:rPr lang="en-US" dirty="0" err="1"/>
+              <a:t>jednu</a:t>
+            </a:r>
+            <a:r>
+              <a:rPr lang="en-US" dirty="0"/>
+              <a:t> </a:t>
+            </a:r>
+            <a:r>
+              <a:rPr lang="en-US" dirty="0" err="1"/>
+              <a:t>binarnu</a:t>
+            </a:r>
+            <a:r>
+              <a:rPr lang="en-US" dirty="0"/>
+              <a:t> </a:t>
+            </a:r>
+            <a:r>
+              <a:rPr lang="en-US" dirty="0" err="1"/>
+              <a:t>dadoteku</a:t>
+            </a:r>
+            <a:r>
+              <a:rPr lang="en-US" dirty="0"/>
+              <a:t> </a:t>
+            </a:r>
+          </a:p>
+          <a:p>
+            <a:r>
+              <a:rPr lang="en-US" dirty="0"/>
+              <a:t>Ima </a:t>
+            </a:r>
+            <a:r>
+              <a:rPr lang="en-US" dirty="0" err="1"/>
+              <a:t>podrsku</a:t>
+            </a:r>
+            <a:r>
+              <a:rPr lang="en-US" dirty="0"/>
+              <a:t> za </a:t>
+            </a:r>
+            <a:r>
+              <a:rPr lang="en-US" dirty="0" err="1"/>
+              <a:t>SQLLite</a:t>
+            </a:r>
+            <a:r>
+              <a:rPr lang="en-US" dirty="0"/>
+              <a:t> </a:t>
+            </a:r>
+            <a:r>
+              <a:rPr lang="en-US" dirty="0" err="1"/>
+              <a:t>kao</a:t>
+            </a:r>
+            <a:r>
+              <a:rPr lang="en-US" dirty="0"/>
+              <a:t> </a:t>
+            </a:r>
+            <a:r>
+              <a:rPr lang="en-US" dirty="0" err="1"/>
+              <a:t>podrazumevanu</a:t>
+            </a:r>
+            <a:r>
+              <a:rPr lang="en-US" dirty="0"/>
+              <a:t> </a:t>
+            </a:r>
+            <a:r>
+              <a:rPr lang="en-US" dirty="0" err="1"/>
+              <a:t>bazu</a:t>
+            </a:r>
+            <a:r>
+              <a:rPr lang="en-US" dirty="0"/>
+              <a:t>. (Etcd3, MySQL, Postgres </a:t>
+            </a:r>
+            <a:r>
+              <a:rPr lang="en-US" dirty="0" err="1"/>
+              <a:t>su</a:t>
+            </a:r>
+            <a:r>
+              <a:rPr lang="en-US" dirty="0"/>
+              <a:t> </a:t>
+            </a:r>
+            <a:r>
+              <a:rPr lang="en-US" dirty="0" err="1"/>
+              <a:t>takodje</a:t>
+            </a:r>
+            <a:r>
+              <a:rPr lang="en-US" dirty="0"/>
+              <a:t> </a:t>
+            </a:r>
+            <a:r>
+              <a:rPr lang="en-US" dirty="0" err="1"/>
+              <a:t>podrzani</a:t>
+            </a:r>
+            <a:r>
+              <a:rPr lang="en-US" dirty="0"/>
+              <a:t>)</a:t>
+            </a:r>
+          </a:p>
+          <a:p>
+            <a:r>
+              <a:rPr lang="en-US" dirty="0" err="1"/>
+              <a:t>Sluzi</a:t>
+            </a:r>
+            <a:r>
+              <a:rPr lang="en-US" dirty="0"/>
+              <a:t> </a:t>
+            </a:r>
+            <a:r>
+              <a:rPr lang="en-US" dirty="0" err="1"/>
+              <a:t>kao</a:t>
+            </a:r>
+            <a:r>
+              <a:rPr lang="en-US" dirty="0"/>
+              <a:t> </a:t>
+            </a:r>
+            <a:r>
+              <a:rPr lang="en-US" dirty="0" err="1"/>
+              <a:t>wraper</a:t>
+            </a:r>
+            <a:r>
+              <a:rPr lang="en-US" dirty="0"/>
+              <a:t>(</a:t>
+            </a:r>
+            <a:r>
+              <a:rPr lang="en-US" dirty="0" err="1"/>
+              <a:t>umotava</a:t>
+            </a:r>
+            <a:r>
+              <a:rPr lang="en-US" dirty="0"/>
+              <a:t>, </a:t>
+            </a:r>
+            <a:r>
+              <a:rPr lang="en-US" dirty="0" err="1"/>
+              <a:t>sjedinjuje</a:t>
+            </a:r>
+            <a:r>
+              <a:rPr lang="en-US" dirty="0"/>
+              <a:t> </a:t>
+            </a:r>
+            <a:r>
+              <a:rPr lang="en-US" dirty="0" err="1"/>
+              <a:t>ili</a:t>
+            </a:r>
+            <a:r>
+              <a:rPr lang="en-US" dirty="0"/>
+              <a:t> </a:t>
+            </a:r>
+            <a:r>
+              <a:rPr lang="en-US" dirty="0" err="1"/>
+              <a:t>pojednostavljuje</a:t>
+            </a:r>
+            <a:r>
+              <a:rPr lang="en-US" dirty="0"/>
+              <a:t>) za Kubernetes </a:t>
+            </a:r>
+            <a:r>
+              <a:rPr lang="en-US" dirty="0" err="1"/>
+              <a:t>i</a:t>
+            </a:r>
+            <a:r>
+              <a:rPr lang="en-US" dirty="0"/>
+              <a:t> </a:t>
+            </a:r>
+            <a:r>
+              <a:rPr lang="en-US" dirty="0" err="1"/>
+              <a:t>druge</a:t>
+            </a:r>
+            <a:r>
+              <a:rPr lang="en-US" dirty="0"/>
+              <a:t> </a:t>
+            </a:r>
+            <a:r>
+              <a:rPr lang="en-US" dirty="0" err="1"/>
+              <a:t>komponentne</a:t>
+            </a:r>
+            <a:r>
+              <a:rPr lang="en-US" dirty="0"/>
+              <a:t> u </a:t>
+            </a:r>
+            <a:r>
+              <a:rPr lang="en-US" dirty="0" err="1"/>
+              <a:t>jedan</a:t>
+            </a:r>
+            <a:r>
+              <a:rPr lang="en-US" dirty="0"/>
+              <a:t> </a:t>
+            </a:r>
+            <a:r>
+              <a:rPr lang="en-US" dirty="0" err="1"/>
+              <a:t>jednostavniji</a:t>
+            </a:r>
+            <a:r>
+              <a:rPr lang="en-US" dirty="0"/>
+              <a:t> launcher</a:t>
+            </a:r>
+          </a:p>
+          <a:p>
+            <a:r>
+              <a:rPr lang="en-US" dirty="0" err="1"/>
+              <a:t>Siguran</a:t>
+            </a:r>
+            <a:r>
+              <a:rPr lang="en-US" dirty="0"/>
+              <a:t> je I </a:t>
+            </a:r>
+            <a:r>
+              <a:rPr lang="en-US" dirty="0" err="1"/>
+              <a:t>sa</a:t>
+            </a:r>
+            <a:r>
+              <a:rPr lang="en-US" dirty="0"/>
+              <a:t> </a:t>
+            </a:r>
+            <a:r>
+              <a:rPr lang="en-US" dirty="0" err="1"/>
+              <a:t>podrazumevanim</a:t>
+            </a:r>
+            <a:r>
+              <a:rPr lang="en-US" dirty="0"/>
+              <a:t> </a:t>
+            </a:r>
+            <a:r>
+              <a:rPr lang="en-US" dirty="0" err="1"/>
+              <a:t>podesavanjima</a:t>
+            </a:r>
+            <a:r>
+              <a:rPr lang="en-US" dirty="0"/>
+              <a:t> za lightweight </a:t>
+            </a:r>
+            <a:r>
+              <a:rPr lang="en-US" dirty="0" err="1"/>
+              <a:t>okruzenja</a:t>
+            </a:r>
+            <a:endParaRPr lang="en-US" dirty="0"/>
+          </a:p>
+          <a:p>
+            <a:r>
+              <a:rPr lang="en-US" dirty="0"/>
+              <a:t>Ima </a:t>
+            </a:r>
+            <a:r>
+              <a:rPr lang="en-US" dirty="0" err="1"/>
+              <a:t>minimalne</a:t>
+            </a:r>
+            <a:r>
+              <a:rPr lang="en-US" dirty="0"/>
+              <a:t> </a:t>
+            </a:r>
+            <a:r>
+              <a:rPr lang="en-US" dirty="0" err="1"/>
+              <a:t>ili</a:t>
+            </a:r>
+            <a:r>
+              <a:rPr lang="en-US" dirty="0"/>
+              <a:t> </a:t>
+            </a:r>
+            <a:r>
+              <a:rPr lang="en-US" dirty="0" err="1"/>
+              <a:t>nikakve</a:t>
+            </a:r>
+            <a:r>
+              <a:rPr lang="en-US" dirty="0"/>
+              <a:t> </a:t>
+            </a:r>
+            <a:r>
+              <a:rPr lang="en-US" dirty="0" err="1"/>
+              <a:t>zavisnosi</a:t>
+            </a:r>
+            <a:r>
+              <a:rPr lang="en-US" dirty="0"/>
+              <a:t> od OS</a:t>
+            </a:r>
+          </a:p>
+          <a:p>
+            <a:r>
+              <a:rPr lang="en-US" dirty="0" err="1"/>
+              <a:t>Eliminise</a:t>
+            </a:r>
+            <a:r>
+              <a:rPr lang="en-US" dirty="0"/>
+              <a:t> </a:t>
+            </a:r>
+            <a:r>
+              <a:rPr lang="en-US" dirty="0" err="1"/>
+              <a:t>potrebu</a:t>
+            </a:r>
+            <a:r>
+              <a:rPr lang="en-US" dirty="0"/>
+              <a:t> da </a:t>
+            </a:r>
+            <a:r>
+              <a:rPr lang="en-US" dirty="0" err="1"/>
+              <a:t>izlozi</a:t>
+            </a:r>
+            <a:r>
+              <a:rPr lang="en-US" dirty="0"/>
+              <a:t> port </a:t>
+            </a:r>
+            <a:r>
+              <a:rPr lang="en-US" dirty="0" err="1"/>
+              <a:t>na</a:t>
+            </a:r>
+            <a:r>
+              <a:rPr lang="en-US" dirty="0"/>
+              <a:t> </a:t>
+            </a:r>
+            <a:r>
+              <a:rPr lang="en-US" dirty="0" err="1"/>
+              <a:t>Kubernetovom</a:t>
+            </a:r>
+            <a:r>
+              <a:rPr lang="en-US" dirty="0"/>
+              <a:t> worker </a:t>
+            </a:r>
+            <a:r>
+              <a:rPr lang="en-US" dirty="0" err="1"/>
+              <a:t>cvoru</a:t>
+            </a:r>
+            <a:r>
+              <a:rPr lang="en-US" dirty="0"/>
+              <a:t> za </a:t>
+            </a:r>
+            <a:r>
+              <a:rPr lang="en-US" dirty="0" err="1"/>
+              <a:t>kubelet</a:t>
+            </a:r>
+            <a:r>
+              <a:rPr lang="en-US" dirty="0"/>
+              <a:t> API </a:t>
+            </a:r>
+            <a:r>
+              <a:rPr lang="en-US" dirty="0" err="1"/>
+              <a:t>izlaganjem</a:t>
+            </a:r>
+            <a:r>
+              <a:rPr lang="en-US" dirty="0"/>
+              <a:t> </a:t>
+            </a:r>
+            <a:r>
+              <a:rPr lang="en-US" dirty="0" err="1"/>
+              <a:t>ovog</a:t>
+            </a:r>
+            <a:r>
+              <a:rPr lang="en-US" dirty="0"/>
+              <a:t> </a:t>
+            </a:r>
+            <a:r>
+              <a:rPr lang="en-US" dirty="0" err="1"/>
+              <a:t>Apija</a:t>
+            </a:r>
+            <a:r>
+              <a:rPr lang="en-US" dirty="0"/>
+              <a:t> control </a:t>
+            </a:r>
+            <a:r>
+              <a:rPr lang="en-US" dirty="0" err="1"/>
+              <a:t>panelu</a:t>
+            </a:r>
+            <a:r>
+              <a:rPr lang="en-US" dirty="0"/>
+              <a:t> </a:t>
+            </a:r>
+            <a:r>
+              <a:rPr lang="en-US" dirty="0" err="1"/>
+              <a:t>preko</a:t>
+            </a:r>
+            <a:r>
+              <a:rPr lang="en-US" dirty="0"/>
+              <a:t> </a:t>
+            </a:r>
+            <a:r>
+              <a:rPr lang="en-US" dirty="0" err="1"/>
+              <a:t>websocket</a:t>
+            </a:r>
+            <a:r>
+              <a:rPr lang="en-US" dirty="0"/>
+              <a:t> </a:t>
+            </a:r>
+            <a:r>
+              <a:rPr lang="en-US" dirty="0" err="1"/>
+              <a:t>tunela</a:t>
+            </a:r>
+            <a:r>
+              <a:rPr lang="en-US" dirty="0"/>
+              <a:t> </a:t>
+            </a:r>
+          </a:p>
+        </p:txBody>
+      </p:sp>
+    </p:spTree>
+    <p:extLst>
+      <p:ext uri="{BB962C8B-B14F-4D97-AF65-F5344CB8AC3E}">
+        <p14:creationId xmlns:p14="http://schemas.microsoft.com/office/powerpoint/2010/main" val="2803974418"/>
+      </p:ext>
+    </p:extLst>
+  </p:cSld>
+  <p:clrMapOvr>
+    <a:masterClrMapping/>
+  </p:clrMapOvr>
+</p:sld>
+</file>
+
+<file path=ppt/slides/slide2.xml><?xml version="1.0" encoding="utf-8"?>
+<p:sld xmlns:a="http://schemas.openxmlformats.org/drawingml/2006/main" xmlns:r="http://schemas.openxmlformats.org/officeDocument/2006/relationships" xmlns:p="http://schemas.openxmlformats.org/presentationml/2006/main">
+  <p:cSld>
+    <p:bg>
+      <p:bgPr>
+        <a:solidFill>
+          <a:schemeClr val="bg1"/>
+        </a:solidFill>
+        <a:effectLst/>
+      </p:bgPr>
+    </p:bg>
+    <p:spTree>
+      <p:nvGrpSpPr>
+        <p:cNvPr id="1" name=""/>
+        <p:cNvGrpSpPr/>
+        <p:nvPr/>
+      </p:nvGrpSpPr>
+      <p:grpSpPr>
+        <a:xfrm>
+          <a:off x="0" y="0"/>
+          <a:ext cx="0" cy="0"/>
+          <a:chOff x="0" y="0"/>
+          <a:chExt cx="0" cy="0"/>
+        </a:xfrm>
+      </p:grpSpPr>
+      <p:sp useBgFill="1">
+        <p:nvSpPr>
+          <p:cNvPr id="8" name="Rectangle 7">
+            <a:extLst>
+              <a:ext uri="{FF2B5EF4-FFF2-40B4-BE49-F238E27FC236}">
+                <a16:creationId xmlns:a16="http://schemas.microsoft.com/office/drawing/2014/main" id="{907EF6B7-1338-4443-8C46-6A318D952DFD}"/>
+              </a:ext>
+              <a:ext uri="{C183D7F6-B498-43B3-948B-1728B52AA6E4}">
+                <adec:decorative xmlns:adec="http://schemas.microsoft.com/office/drawing/2017/decorative" val="1"/>
+              </a:ext>
+            </a:extLst>
+          </p:cNvPr>
+          <p:cNvSpPr>
+            <a:spLocks noGrp="1" noRot="1" noChangeAspect="1" noMove="1" noResize="1" noEditPoints="1" noAdjustHandles="1" noChangeArrowheads="1" noChangeShapeType="1" noTextEdit="1"/>
+          </p:cNvSpPr>
+          <p:nvPr>
+            <p:extLst>
+              <p:ext uri="{386F3935-93C4-4BCD-93E2-E3B085C9AB24}">
+                <p16:designElem xmlns:p16="http://schemas.microsoft.com/office/powerpoint/2015/main" val="1"/>
+              </p:ext>
+            </p:extLst>
+          </p:nvPr>
+        </p:nvSpPr>
+        <p:spPr>
+          <a:xfrm>
+            <a:off x="3048" y="0"/>
+            <a:ext cx="12188952" cy="6858000"/>
+          </a:xfrm>
+          <a:prstGeom prst="rect">
+            <a:avLst/>
+          </a:prstGeom>
+          <a:ln>
+            <a:noFill/>
+          </a:ln>
+        </p:spPr>
+        <p:style>
+          <a:lnRef idx="2">
+            <a:schemeClr val="accent1">
+              <a:shade val="50000"/>
+            </a:schemeClr>
+          </a:lnRef>
+          <a:fillRef idx="1">
+            <a:schemeClr val="accent1"/>
+          </a:fillRef>
+          <a:effectRef idx="0">
+            <a:schemeClr val="accent1"/>
+          </a:effectRef>
+          <a:fontRef idx="minor">
+            <a:schemeClr val="lt1"/>
+          </a:fontRef>
+        </p:style>
+        <p:txBody>
+          <a:bodyPr rtlCol="0" anchor="ctr"/>
+          <a:lstStyle/>
+          <a:p>
+            <a:pPr algn="ctr"/>
+            <a:endParaRPr lang="en-US"/>
+          </a:p>
+        </p:txBody>
+      </p:sp>
+      <p:sp>
+        <p:nvSpPr>
+          <p:cNvPr id="10" name="Freeform: Shape 9">
+            <a:extLst>
+              <a:ext uri="{FF2B5EF4-FFF2-40B4-BE49-F238E27FC236}">
+                <a16:creationId xmlns:a16="http://schemas.microsoft.com/office/drawing/2014/main" id="{DAAE4CDD-124C-4DCF-9584-B6033B545DD5}"/>
+              </a:ext>
+              <a:ext uri="{C183D7F6-B498-43B3-948B-1728B52AA6E4}">
+                <adec:decorative xmlns:adec="http://schemas.microsoft.com/office/drawing/2017/decorative" val="1"/>
+              </a:ext>
+            </a:extLst>
+          </p:cNvPr>
+          <p:cNvSpPr>
+            <a:spLocks noGrp="1" noRot="1" noChangeAspect="1" noMove="1" noResize="1" noEditPoints="1" noAdjustHandles="1" noChangeArrowheads="1" noChangeShapeType="1" noTextEdit="1"/>
+          </p:cNvSpPr>
+          <p:nvPr>
+            <p:extLst>
+              <p:ext uri="{386F3935-93C4-4BCD-93E2-E3B085C9AB24}">
+                <p16:designElem xmlns:p16="http://schemas.microsoft.com/office/powerpoint/2015/main" val="1"/>
+              </p:ext>
+            </p:extLst>
+          </p:nvPr>
+        </p:nvSpPr>
+        <p:spPr>
+          <a:xfrm>
+            <a:off x="1" y="0"/>
+            <a:ext cx="4167271" cy="6858000"/>
+          </a:xfrm>
+          <a:custGeom>
+            <a:avLst/>
+            <a:gdLst>
+              <a:gd name="connsiteX0" fmla="*/ 0 w 4167271"/>
+              <a:gd name="connsiteY0" fmla="*/ 0 h 6858000"/>
+              <a:gd name="connsiteX1" fmla="*/ 2259550 w 4167271"/>
+              <a:gd name="connsiteY1" fmla="*/ 0 h 6858000"/>
+              <a:gd name="connsiteX2" fmla="*/ 2387803 w 4167271"/>
+              <a:gd name="connsiteY2" fmla="*/ 82222 h 6858000"/>
+              <a:gd name="connsiteX3" fmla="*/ 4167271 w 4167271"/>
+              <a:gd name="connsiteY3" fmla="*/ 3429000 h 6858000"/>
+              <a:gd name="connsiteX4" fmla="*/ 2387803 w 4167271"/>
+              <a:gd name="connsiteY4" fmla="*/ 6775779 h 6858000"/>
+              <a:gd name="connsiteX5" fmla="*/ 2259550 w 4167271"/>
+              <a:gd name="connsiteY5" fmla="*/ 6858000 h 6858000"/>
+              <a:gd name="connsiteX6" fmla="*/ 0 w 4167271"/>
+              <a:gd name="connsiteY6" fmla="*/ 6858000 h 6858000"/>
+            </a:gdLst>
+            <a:ahLst/>
+            <a:cxnLst>
+              <a:cxn ang="0">
+                <a:pos x="connsiteX0" y="connsiteY0"/>
+              </a:cxn>
+              <a:cxn ang="0">
+                <a:pos x="connsiteX1" y="connsiteY1"/>
+              </a:cxn>
+              <a:cxn ang="0">
+                <a:pos x="connsiteX2" y="connsiteY2"/>
+              </a:cxn>
+              <a:cxn ang="0">
+                <a:pos x="connsiteX3" y="connsiteY3"/>
+              </a:cxn>
+              <a:cxn ang="0">
+                <a:pos x="connsiteX4" y="connsiteY4"/>
+              </a:cxn>
+              <a:cxn ang="0">
+                <a:pos x="connsiteX5" y="connsiteY5"/>
+              </a:cxn>
+              <a:cxn ang="0">
+                <a:pos x="connsiteX6" y="connsiteY6"/>
+              </a:cxn>
+            </a:cxnLst>
+            <a:rect l="l" t="t" r="r" b="b"/>
+            <a:pathLst>
+              <a:path w="4167271" h="6858000">
+                <a:moveTo>
+                  <a:pt x="0" y="0"/>
+                </a:moveTo>
+                <a:lnTo>
+                  <a:pt x="2259550" y="0"/>
+                </a:lnTo>
+                <a:lnTo>
+                  <a:pt x="2387803" y="82222"/>
+                </a:lnTo>
+                <a:cubicBezTo>
+                  <a:pt x="3461407" y="807534"/>
+                  <a:pt x="4167271" y="2035835"/>
+                  <a:pt x="4167271" y="3429000"/>
+                </a:cubicBezTo>
+                <a:cubicBezTo>
+                  <a:pt x="4167271" y="4822165"/>
+                  <a:pt x="3461407" y="6050467"/>
+                  <a:pt x="2387803" y="6775779"/>
+                </a:cubicBezTo>
+                <a:lnTo>
+                  <a:pt x="2259550" y="6858000"/>
+                </a:lnTo>
+                <a:lnTo>
+                  <a:pt x="0" y="6858000"/>
+                </a:lnTo>
+                <a:close/>
+              </a:path>
+            </a:pathLst>
+          </a:custGeom>
+          <a:solidFill>
+            <a:schemeClr val="accent2"/>
+          </a:solidFill>
+          <a:ln>
+            <a:noFill/>
+          </a:ln>
+        </p:spPr>
+        <p:style>
+          <a:lnRef idx="2">
+            <a:schemeClr val="accent1">
+              <a:shade val="50000"/>
+            </a:schemeClr>
+          </a:lnRef>
+          <a:fillRef idx="1">
+            <a:schemeClr val="accent1"/>
+          </a:fillRef>
+          <a:effectRef idx="0">
+            <a:schemeClr val="accent1"/>
+          </a:effectRef>
+          <a:fontRef idx="minor">
+            <a:schemeClr val="lt1"/>
+          </a:fontRef>
+        </p:style>
+        <p:txBody>
+          <a:bodyPr rtlCol="0" anchor="ctr"/>
+          <a:lstStyle/>
+          <a:p>
+            <a:pPr algn="ctr"/>
+            <a:endParaRPr lang="en-US"/>
+          </a:p>
+        </p:txBody>
+      </p:sp>
+      <p:sp>
+        <p:nvSpPr>
+          <p:cNvPr id="2" name="Naslov 1">
+            <a:extLst>
+              <a:ext uri="{FF2B5EF4-FFF2-40B4-BE49-F238E27FC236}">
+                <a16:creationId xmlns:a16="http://schemas.microsoft.com/office/drawing/2014/main" id="{9F267A21-550A-4826-B76D-42FC032C4424}"/>
+              </a:ext>
+            </a:extLst>
+          </p:cNvPr>
+          <p:cNvSpPr>
+            <a:spLocks noGrp="1"/>
+          </p:cNvSpPr>
+          <p:nvPr>
+            <p:ph type="title"/>
+          </p:nvPr>
+        </p:nvSpPr>
+        <p:spPr>
+          <a:xfrm>
+            <a:off x="686834" y="1153572"/>
+            <a:ext cx="3200400" cy="4461163"/>
+          </a:xfrm>
+        </p:spPr>
+        <p:txBody>
+          <a:bodyPr>
+            <a:normAutofit/>
+          </a:bodyPr>
+          <a:lstStyle/>
+          <a:p>
+            <a:r>
+              <a:rPr lang="sr-Latn-RS">
+                <a:solidFill>
+                  <a:srgbClr val="FFFFFF"/>
+                </a:solidFill>
+                <a:cs typeface="Calibri Light"/>
+              </a:rPr>
+              <a:t>Kubernetes</a:t>
+            </a:r>
+            <a:endParaRPr lang="sr-Latn-RS">
+              <a:solidFill>
+                <a:srgbClr val="FFFFFF"/>
+              </a:solidFill>
+            </a:endParaRPr>
+          </a:p>
+        </p:txBody>
+      </p:sp>
+      <p:sp>
+        <p:nvSpPr>
+          <p:cNvPr id="12" name="Arc 11">
+            <a:extLst>
+              <a:ext uri="{FF2B5EF4-FFF2-40B4-BE49-F238E27FC236}">
+                <a16:creationId xmlns:a16="http://schemas.microsoft.com/office/drawing/2014/main" id="{081E4A58-353D-44AE-B2FC-2A74E2E400F7}"/>
+              </a:ext>
+              <a:ext uri="{C183D7F6-B498-43B3-948B-1728B52AA6E4}">
+                <adec:decorative xmlns:adec="http://schemas.microsoft.com/office/drawing/2017/decorative" val="1"/>
+              </a:ext>
+            </a:extLst>
+          </p:cNvPr>
+          <p:cNvSpPr>
+            <a:spLocks noGrp="1" noRot="1" noChangeAspect="1" noMove="1" noResize="1" noEditPoints="1" noAdjustHandles="1" noChangeArrowheads="1" noChangeShapeType="1" noTextEdit="1"/>
+          </p:cNvSpPr>
+          <p:nvPr>
+            <p:extLst>
+              <p:ext uri="{386F3935-93C4-4BCD-93E2-E3B085C9AB24}">
+                <p16:designElem xmlns:p16="http://schemas.microsoft.com/office/powerpoint/2015/main" val="1"/>
+              </p:ext>
+            </p:extLst>
+          </p:nvPr>
+        </p:nvSpPr>
+        <p:spPr>
+          <a:xfrm flipV="1">
+            <a:off x="7550402" y="2455479"/>
+            <a:ext cx="4083433" cy="4083433"/>
+          </a:xfrm>
+          <a:prstGeom prst="arc">
+            <a:avLst/>
+          </a:prstGeom>
+          <a:ln w="127000" cap="rnd">
+            <a:solidFill>
+              <a:schemeClr val="accent4"/>
+            </a:solidFill>
+            <a:prstDash val="dash"/>
+          </a:ln>
+        </p:spPr>
+        <p:style>
+          <a:lnRef idx="1">
+            <a:schemeClr val="accent1"/>
+          </a:lnRef>
+          <a:fillRef idx="0">
+            <a:schemeClr val="accent1"/>
+          </a:fillRef>
+          <a:effectRef idx="0">
+            <a:schemeClr val="accent1"/>
+          </a:effectRef>
+          <a:fontRef idx="minor">
+            <a:schemeClr val="tx1"/>
+          </a:fontRef>
+        </p:style>
+        <p:txBody>
+          <a:bodyPr rtlCol="0" anchor="ctr"/>
+          <a:lstStyle/>
+          <a:p>
+            <a:pPr algn="ctr"/>
+            <a:endParaRPr lang="en-US" dirty="0"/>
+          </a:p>
+        </p:txBody>
+      </p:sp>
+      <p:sp>
+        <p:nvSpPr>
+          <p:cNvPr id="3" name="Čuvar mesta za sadržaj 2">
+            <a:extLst>
+              <a:ext uri="{FF2B5EF4-FFF2-40B4-BE49-F238E27FC236}">
+                <a16:creationId xmlns:a16="http://schemas.microsoft.com/office/drawing/2014/main" id="{FD316511-1C94-4B73-8271-9A3659AC1FF1}"/>
+              </a:ext>
+            </a:extLst>
+          </p:cNvPr>
+          <p:cNvSpPr>
+            <a:spLocks noGrp="1"/>
+          </p:cNvSpPr>
+          <p:nvPr>
+            <p:ph idx="1"/>
+          </p:nvPr>
+        </p:nvSpPr>
+        <p:spPr>
+          <a:xfrm>
+            <a:off x="4447308" y="591344"/>
+            <a:ext cx="6906491" cy="5585619"/>
+          </a:xfrm>
+        </p:spPr>
+        <p:txBody>
+          <a:bodyPr vert="horz" lIns="91440" tIns="45720" rIns="91440" bIns="45720" rtlCol="0" anchor="ctr">
+            <a:normAutofit/>
+          </a:bodyPr>
+          <a:lstStyle/>
+          <a:p>
+            <a:pPr>
+              <a:spcBef>
+                <a:spcPts val="800"/>
+              </a:spcBef>
+              <a:buFont typeface="Wingdings,Sans-Serif" panose="020B0604020202020204" pitchFamily="34" charset="0"/>
+              <a:buChar char="§"/>
+            </a:pPr>
+            <a:r>
+              <a:rPr lang="en-US" sz="2000" b="1" dirty="0">
+                <a:latin typeface="Times New Roman"/>
+                <a:cs typeface="Times New Roman"/>
+              </a:rPr>
+              <a:t>Kubernetes</a:t>
+            </a:r>
+            <a:r>
+              <a:rPr lang="en-US" sz="2000" dirty="0">
+                <a:latin typeface="Times New Roman"/>
+                <a:cs typeface="Times New Roman"/>
+              </a:rPr>
+              <a:t> </a:t>
+            </a:r>
+            <a:r>
+              <a:rPr lang="sr-Latn-RS" sz="2000" dirty="0">
+                <a:latin typeface="Times New Roman"/>
+                <a:cs typeface="Times New Roman"/>
+              </a:rPr>
+              <a:t>predstavlja orkestracioni alat za rad sa mikroservisima ili za kontejnerizaciju aplikacija preko distribuiranog klastera čvorova.</a:t>
+            </a:r>
+            <a:endParaRPr lang="en-US" sz="2000" dirty="0">
+              <a:ea typeface="+mn-lt"/>
+              <a:cs typeface="+mn-lt"/>
+            </a:endParaRPr>
+          </a:p>
+          <a:p>
+            <a:pPr marL="0" indent="0">
+              <a:spcBef>
+                <a:spcPts val="800"/>
+              </a:spcBef>
+              <a:buNone/>
+            </a:pPr>
+            <a:endParaRPr lang="en-US" sz="2000" dirty="0">
+              <a:ea typeface="+mn-lt"/>
+              <a:cs typeface="+mn-lt"/>
+            </a:endParaRPr>
+          </a:p>
+          <a:p>
+            <a:pPr marL="0" indent="0">
+              <a:spcBef>
+                <a:spcPts val="800"/>
+              </a:spcBef>
+              <a:buNone/>
+            </a:pPr>
+            <a:endParaRPr lang="sr-Latn-RS" sz="2000" dirty="0">
+              <a:ea typeface="+mn-lt"/>
+              <a:cs typeface="+mn-lt"/>
+            </a:endParaRPr>
+          </a:p>
+          <a:p>
+            <a:pPr>
+              <a:spcBef>
+                <a:spcPts val="800"/>
+              </a:spcBef>
+              <a:buFont typeface="Wingdings,Sans-Serif" panose="020B0604020202020204" pitchFamily="34" charset="0"/>
+              <a:buChar char="§"/>
+            </a:pPr>
+            <a:r>
+              <a:rPr lang="sr-Latn-RS" sz="2000" dirty="0">
+                <a:latin typeface="Times New Roman"/>
+                <a:cs typeface="Times New Roman"/>
+              </a:rPr>
+              <a:t>Kubernetes klaster se sastoji od skupa radnih čvorova koji pokreću kontejnerizovane aplikacije. Ovi čvorovi se sastoji iz više čaura (Pods) koje predstavljaju komponente radnog opterećenja aplikacije. Kubernenes takođe sadrži i kontrolnu ravan koja upravlja radnim čvorovima i čaurama u njima.</a:t>
+            </a:r>
+            <a:endParaRPr lang="sr-Latn-RS" sz="2000" dirty="0"/>
+          </a:p>
+        </p:txBody>
+      </p:sp>
+    </p:spTree>
+    <p:extLst>
+      <p:ext uri="{BB962C8B-B14F-4D97-AF65-F5344CB8AC3E}">
+        <p14:creationId xmlns:p14="http://schemas.microsoft.com/office/powerpoint/2010/main" val="2755497326"/>
+      </p:ext>
+    </p:extLst>
+  </p:cSld>
+  <p:clrMapOvr>
+    <a:masterClrMapping/>
+  </p:clrMapOvr>
+</p:sld>
+</file>
+
+<file path=ppt/slides/slide20.xml><?xml version="1.0" encoding="utf-8"?>
+<p:sld xmlns:a="http://schemas.openxmlformats.org/drawingml/2006/main" xmlns:r="http://schemas.openxmlformats.org/officeDocument/2006/relationships" xmlns:p="http://schemas.openxmlformats.org/presentationml/2006/main">
+  <p:cSld>
+    <p:spTree>
+      <p:nvGrpSpPr>
+        <p:cNvPr id="1" name=""/>
+        <p:cNvGrpSpPr/>
+        <p:nvPr/>
+      </p:nvGrpSpPr>
+      <p:grpSpPr>
+        <a:xfrm>
+          <a:off x="0" y="0"/>
+          <a:ext cx="0" cy="0"/>
+          <a:chOff x="0" y="0"/>
+          <a:chExt cx="0" cy="0"/>
+        </a:xfrm>
+      </p:grpSpPr>
+      <p:sp>
+        <p:nvSpPr>
+          <p:cNvPr id="2" name="Title 1">
+            <a:extLst>
+              <a:ext uri="{FF2B5EF4-FFF2-40B4-BE49-F238E27FC236}">
+                <a16:creationId xmlns:a16="http://schemas.microsoft.com/office/drawing/2014/main" id="{FD0B02D3-CBF7-46B3-943F-81DA57B22B17}"/>
+              </a:ext>
+            </a:extLst>
+          </p:cNvPr>
+          <p:cNvSpPr>
+            <a:spLocks noGrp="1"/>
+          </p:cNvSpPr>
+          <p:nvPr>
+            <p:ph type="title"/>
+          </p:nvPr>
+        </p:nvSpPr>
+        <p:spPr/>
+        <p:txBody>
+          <a:bodyPr/>
+          <a:lstStyle/>
+          <a:p>
+            <a:r>
+              <a:rPr lang="en-US" dirty="0"/>
+              <a:t>K3S </a:t>
+            </a:r>
+            <a:r>
+              <a:rPr lang="en-US" dirty="0" err="1"/>
+              <a:t>spaja</a:t>
+            </a:r>
+            <a:r>
+              <a:rPr lang="en-US" dirty="0"/>
+              <a:t> </a:t>
+            </a:r>
+            <a:r>
+              <a:rPr lang="en-US" dirty="0" err="1"/>
+              <a:t>sledece</a:t>
+            </a:r>
+            <a:r>
+              <a:rPr lang="en-US" dirty="0"/>
+              <a:t> </a:t>
+            </a:r>
+            <a:r>
+              <a:rPr lang="en-US" dirty="0" err="1"/>
+              <a:t>tehnologije</a:t>
+            </a:r>
+            <a:r>
+              <a:rPr lang="en-US" dirty="0"/>
+              <a:t> u </a:t>
+            </a:r>
+            <a:r>
+              <a:rPr lang="en-US" dirty="0" err="1"/>
+              <a:t>kohezivnu</a:t>
+            </a:r>
+            <a:r>
+              <a:rPr lang="en-US" dirty="0"/>
+              <a:t> </a:t>
+            </a:r>
+            <a:r>
+              <a:rPr lang="en-US" dirty="0" err="1"/>
+              <a:t>distribuciju</a:t>
+            </a:r>
+            <a:r>
+              <a:rPr lang="en-US" dirty="0"/>
+              <a:t> </a:t>
+            </a:r>
+          </a:p>
+        </p:txBody>
+      </p:sp>
+      <p:sp>
+        <p:nvSpPr>
+          <p:cNvPr id="3" name="Content Placeholder 2">
+            <a:extLst>
+              <a:ext uri="{FF2B5EF4-FFF2-40B4-BE49-F238E27FC236}">
+                <a16:creationId xmlns:a16="http://schemas.microsoft.com/office/drawing/2014/main" id="{5969FA8E-0734-4DDF-B057-816FCA2068D7}"/>
+              </a:ext>
+            </a:extLst>
+          </p:cNvPr>
+          <p:cNvSpPr>
+            <a:spLocks noGrp="1"/>
+          </p:cNvSpPr>
+          <p:nvPr>
+            <p:ph idx="1"/>
+          </p:nvPr>
+        </p:nvSpPr>
+        <p:spPr/>
+        <p:txBody>
+          <a:bodyPr>
+            <a:normAutofit fontScale="85000" lnSpcReduction="20000"/>
+          </a:bodyPr>
+          <a:lstStyle/>
+          <a:p>
+            <a:pPr algn="l">
+              <a:buFont typeface="Arial" panose="020B0604020202020204" pitchFamily="34" charset="0"/>
+              <a:buChar char="•"/>
+            </a:pPr>
+            <a:r>
+              <a:rPr lang="en-US" b="0" i="0" u="none" strike="noStrike" dirty="0" err="1">
+                <a:solidFill>
+                  <a:srgbClr val="24292E"/>
+                </a:solidFill>
+                <a:effectLst/>
+                <a:latin typeface="-apple-system"/>
+                <a:hlinkClick r:id="rId2"/>
+              </a:rPr>
+              <a:t>Containerd</a:t>
+            </a:r>
+            <a:r>
+              <a:rPr lang="en-US" b="0" i="0" dirty="0">
+                <a:solidFill>
+                  <a:srgbClr val="24292E"/>
+                </a:solidFill>
+                <a:effectLst/>
+                <a:latin typeface="-apple-system"/>
+              </a:rPr>
+              <a:t> &amp; </a:t>
+            </a:r>
+            <a:r>
+              <a:rPr lang="en-US" b="0" i="0" u="none" strike="noStrike" dirty="0" err="1">
+                <a:solidFill>
+                  <a:srgbClr val="24292E"/>
+                </a:solidFill>
+                <a:effectLst/>
+                <a:latin typeface="-apple-system"/>
+                <a:hlinkClick r:id="rId3"/>
+              </a:rPr>
+              <a:t>runc</a:t>
+            </a:r>
+            <a:endParaRPr lang="en-US" b="0" i="0" dirty="0">
+              <a:solidFill>
+                <a:srgbClr val="24292E"/>
+              </a:solidFill>
+              <a:effectLst/>
+              <a:latin typeface="-apple-system"/>
+            </a:endParaRPr>
+          </a:p>
+          <a:p>
+            <a:pPr algn="l">
+              <a:buFont typeface="Arial" panose="020B0604020202020204" pitchFamily="34" charset="0"/>
+              <a:buChar char="•"/>
+            </a:pPr>
+            <a:r>
+              <a:rPr lang="en-US" b="0" i="0" u="sng" dirty="0">
+                <a:solidFill>
+                  <a:srgbClr val="24292E"/>
+                </a:solidFill>
+                <a:effectLst/>
+                <a:latin typeface="-apple-system"/>
+                <a:hlinkClick r:id="rId4"/>
+              </a:rPr>
+              <a:t>Flannel</a:t>
+            </a:r>
+            <a:r>
+              <a:rPr lang="en-US" b="0" i="0" dirty="0">
+                <a:solidFill>
+                  <a:srgbClr val="24292E"/>
+                </a:solidFill>
+                <a:effectLst/>
+                <a:latin typeface="-apple-system"/>
+              </a:rPr>
+              <a:t> for CNI</a:t>
+            </a:r>
+          </a:p>
+          <a:p>
+            <a:pPr algn="l">
+              <a:buFont typeface="Arial" panose="020B0604020202020204" pitchFamily="34" charset="0"/>
+              <a:buChar char="•"/>
+            </a:pPr>
+            <a:r>
+              <a:rPr lang="en-US" b="0" i="0" u="none" strike="noStrike" dirty="0" err="1">
+                <a:solidFill>
+                  <a:srgbClr val="24292E"/>
+                </a:solidFill>
+                <a:effectLst/>
+                <a:latin typeface="-apple-system"/>
+                <a:hlinkClick r:id="rId5"/>
+              </a:rPr>
+              <a:t>CoreDNS</a:t>
+            </a:r>
+            <a:endParaRPr lang="en-US" b="0" i="0" dirty="0">
+              <a:solidFill>
+                <a:srgbClr val="24292E"/>
+              </a:solidFill>
+              <a:effectLst/>
+              <a:latin typeface="-apple-system"/>
+            </a:endParaRPr>
+          </a:p>
+          <a:p>
+            <a:pPr algn="l">
+              <a:buFont typeface="Arial" panose="020B0604020202020204" pitchFamily="34" charset="0"/>
+              <a:buChar char="•"/>
+            </a:pPr>
+            <a:r>
+              <a:rPr lang="en-US" b="0" i="0" u="none" strike="noStrike" dirty="0">
+                <a:solidFill>
+                  <a:srgbClr val="24292E"/>
+                </a:solidFill>
+                <a:effectLst/>
+                <a:latin typeface="-apple-system"/>
+                <a:hlinkClick r:id="rId6"/>
+              </a:rPr>
+              <a:t>Metrics Server</a:t>
+            </a:r>
+            <a:endParaRPr lang="en-US" b="0" i="0" dirty="0">
+              <a:solidFill>
+                <a:srgbClr val="24292E"/>
+              </a:solidFill>
+              <a:effectLst/>
+              <a:latin typeface="-apple-system"/>
+            </a:endParaRPr>
+          </a:p>
+          <a:p>
+            <a:pPr algn="l">
+              <a:buFont typeface="Arial" panose="020B0604020202020204" pitchFamily="34" charset="0"/>
+              <a:buChar char="•"/>
+            </a:pPr>
+            <a:r>
+              <a:rPr lang="en-US" b="0" i="0" u="none" strike="noStrike" dirty="0" err="1">
+                <a:solidFill>
+                  <a:srgbClr val="24292E"/>
+                </a:solidFill>
+                <a:effectLst/>
+                <a:latin typeface="-apple-system"/>
+                <a:hlinkClick r:id="rId7"/>
+              </a:rPr>
+              <a:t>Traefik</a:t>
+            </a:r>
+            <a:r>
+              <a:rPr lang="en-US" b="0" i="0" dirty="0">
+                <a:solidFill>
+                  <a:srgbClr val="24292E"/>
+                </a:solidFill>
+                <a:effectLst/>
+                <a:latin typeface="-apple-system"/>
+              </a:rPr>
+              <a:t> for ingress</a:t>
+            </a:r>
+          </a:p>
+          <a:p>
+            <a:pPr algn="l">
+              <a:buFont typeface="Arial" panose="020B0604020202020204" pitchFamily="34" charset="0"/>
+              <a:buChar char="•"/>
+            </a:pPr>
+            <a:r>
+              <a:rPr lang="en-US" b="0" i="0" u="none" strike="noStrike" dirty="0" err="1">
+                <a:solidFill>
+                  <a:srgbClr val="24292E"/>
+                </a:solidFill>
+                <a:effectLst/>
+                <a:latin typeface="-apple-system"/>
+                <a:hlinkClick r:id="rId8"/>
+              </a:rPr>
+              <a:t>Klipper-lb</a:t>
+            </a:r>
+            <a:r>
+              <a:rPr lang="en-US" b="0" i="0" dirty="0">
+                <a:solidFill>
+                  <a:srgbClr val="24292E"/>
+                </a:solidFill>
+                <a:effectLst/>
+                <a:latin typeface="-apple-system"/>
+              </a:rPr>
+              <a:t> as an embedded service </a:t>
+            </a:r>
+            <a:r>
+              <a:rPr lang="en-US" b="0" i="0" dirty="0" err="1">
+                <a:solidFill>
+                  <a:srgbClr val="24292E"/>
+                </a:solidFill>
+                <a:effectLst/>
+                <a:latin typeface="-apple-system"/>
+              </a:rPr>
+              <a:t>loadbalancer</a:t>
+            </a:r>
+            <a:r>
+              <a:rPr lang="en-US" b="0" i="0" dirty="0">
+                <a:solidFill>
+                  <a:srgbClr val="24292E"/>
+                </a:solidFill>
+                <a:effectLst/>
+                <a:latin typeface="-apple-system"/>
+              </a:rPr>
+              <a:t> provider</a:t>
+            </a:r>
+          </a:p>
+          <a:p>
+            <a:pPr algn="l">
+              <a:buFont typeface="Arial" panose="020B0604020202020204" pitchFamily="34" charset="0"/>
+              <a:buChar char="•"/>
+            </a:pPr>
+            <a:r>
+              <a:rPr lang="en-US" b="0" i="0" u="none" strike="noStrike" dirty="0" err="1">
+                <a:solidFill>
+                  <a:srgbClr val="24292E"/>
+                </a:solidFill>
+                <a:effectLst/>
+                <a:latin typeface="-apple-system"/>
+                <a:hlinkClick r:id="rId9"/>
+              </a:rPr>
+              <a:t>Kube</a:t>
+            </a:r>
+            <a:r>
+              <a:rPr lang="en-US" b="0" i="0" u="none" strike="noStrike" dirty="0">
+                <a:solidFill>
+                  <a:srgbClr val="24292E"/>
+                </a:solidFill>
+                <a:effectLst/>
+                <a:latin typeface="-apple-system"/>
+                <a:hlinkClick r:id="rId9"/>
+              </a:rPr>
+              <a:t>-router</a:t>
+            </a:r>
+            <a:r>
+              <a:rPr lang="en-US" b="0" i="0" dirty="0">
+                <a:solidFill>
+                  <a:srgbClr val="24292E"/>
+                </a:solidFill>
+                <a:effectLst/>
+                <a:latin typeface="-apple-system"/>
+              </a:rPr>
+              <a:t> for network policy</a:t>
+            </a:r>
+          </a:p>
+          <a:p>
+            <a:pPr algn="l">
+              <a:buFont typeface="Arial" panose="020B0604020202020204" pitchFamily="34" charset="0"/>
+              <a:buChar char="•"/>
+            </a:pPr>
+            <a:r>
+              <a:rPr lang="en-US" b="0" i="0" u="none" strike="noStrike" dirty="0">
+                <a:solidFill>
+                  <a:srgbClr val="24292E"/>
+                </a:solidFill>
+                <a:effectLst/>
+                <a:latin typeface="-apple-system"/>
+                <a:hlinkClick r:id="rId10"/>
+              </a:rPr>
+              <a:t>Helm-controller</a:t>
+            </a:r>
+            <a:r>
+              <a:rPr lang="en-US" b="0" i="0" dirty="0">
+                <a:solidFill>
+                  <a:srgbClr val="24292E"/>
+                </a:solidFill>
+                <a:effectLst/>
+                <a:latin typeface="-apple-system"/>
+              </a:rPr>
+              <a:t> to allow for CRD-driven deployment of helm manifests</a:t>
+            </a:r>
+          </a:p>
+          <a:p>
+            <a:pPr algn="l">
+              <a:buFont typeface="Arial" panose="020B0604020202020204" pitchFamily="34" charset="0"/>
+              <a:buChar char="•"/>
+            </a:pPr>
+            <a:r>
+              <a:rPr lang="en-US" b="0" i="0" u="none" strike="noStrike" dirty="0" err="1">
+                <a:solidFill>
+                  <a:srgbClr val="24292E"/>
+                </a:solidFill>
+                <a:effectLst/>
+                <a:latin typeface="-apple-system"/>
+                <a:hlinkClick r:id="rId11"/>
+              </a:rPr>
+              <a:t>Kine</a:t>
+            </a:r>
+            <a:r>
+              <a:rPr lang="en-US" b="0" i="0" dirty="0">
+                <a:solidFill>
+                  <a:srgbClr val="24292E"/>
+                </a:solidFill>
+                <a:effectLst/>
+                <a:latin typeface="-apple-system"/>
+              </a:rPr>
+              <a:t> as a datastore shim that allows </a:t>
+            </a:r>
+            <a:r>
+              <a:rPr lang="en-US" b="0" i="0" dirty="0" err="1">
+                <a:solidFill>
+                  <a:srgbClr val="24292E"/>
+                </a:solidFill>
+                <a:effectLst/>
+                <a:latin typeface="-apple-system"/>
+              </a:rPr>
+              <a:t>etcd</a:t>
+            </a:r>
+            <a:r>
+              <a:rPr lang="en-US" b="0" i="0" dirty="0">
+                <a:solidFill>
+                  <a:srgbClr val="24292E"/>
+                </a:solidFill>
+                <a:effectLst/>
+                <a:latin typeface="-apple-system"/>
+              </a:rPr>
+              <a:t> to be replaced with other databases</a:t>
+            </a:r>
+          </a:p>
+          <a:p>
+            <a:pPr algn="l">
+              <a:buFont typeface="Arial" panose="020B0604020202020204" pitchFamily="34" charset="0"/>
+              <a:buChar char="•"/>
+            </a:pPr>
+            <a:r>
+              <a:rPr lang="en-US" b="0" i="0" u="none" strike="noStrike" dirty="0">
+                <a:solidFill>
+                  <a:srgbClr val="24292E"/>
+                </a:solidFill>
+                <a:effectLst/>
+                <a:latin typeface="-apple-system"/>
+                <a:hlinkClick r:id="rId12"/>
+              </a:rPr>
+              <a:t>Local-path-provisioner</a:t>
+            </a:r>
+            <a:r>
+              <a:rPr lang="en-US" b="0" i="0" dirty="0">
+                <a:solidFill>
+                  <a:srgbClr val="24292E"/>
+                </a:solidFill>
+                <a:effectLst/>
+                <a:latin typeface="-apple-system"/>
+              </a:rPr>
+              <a:t> for provisioning volumes using local storage</a:t>
+            </a:r>
+          </a:p>
+          <a:p>
+            <a:pPr algn="l">
+              <a:buFont typeface="Arial" panose="020B0604020202020204" pitchFamily="34" charset="0"/>
+              <a:buChar char="•"/>
+            </a:pPr>
+            <a:r>
+              <a:rPr lang="en-US" b="0" i="0" u="none" strike="noStrike" dirty="0">
+                <a:solidFill>
+                  <a:srgbClr val="24292E"/>
+                </a:solidFill>
+                <a:effectLst/>
+                <a:latin typeface="-apple-system"/>
+                <a:hlinkClick r:id="rId13"/>
+              </a:rPr>
+              <a:t>Host utilities</a:t>
+            </a:r>
+            <a:r>
+              <a:rPr lang="en-US" b="0" i="0" dirty="0">
+                <a:solidFill>
+                  <a:srgbClr val="24292E"/>
+                </a:solidFill>
+                <a:effectLst/>
+                <a:latin typeface="-apple-system"/>
+              </a:rPr>
+              <a:t> such as iptables/</a:t>
+            </a:r>
+            <a:r>
+              <a:rPr lang="en-US" b="0" i="0" dirty="0" err="1">
+                <a:solidFill>
+                  <a:srgbClr val="24292E"/>
+                </a:solidFill>
+                <a:effectLst/>
+                <a:latin typeface="-apple-system"/>
+              </a:rPr>
+              <a:t>nftables</a:t>
+            </a:r>
+            <a:r>
+              <a:rPr lang="en-US" b="0" i="0" dirty="0">
+                <a:solidFill>
+                  <a:srgbClr val="24292E"/>
+                </a:solidFill>
+                <a:effectLst/>
+                <a:latin typeface="-apple-system"/>
+              </a:rPr>
+              <a:t>, </a:t>
+            </a:r>
+            <a:r>
+              <a:rPr lang="en-US" b="0" i="0" dirty="0" err="1">
+                <a:solidFill>
+                  <a:srgbClr val="24292E"/>
+                </a:solidFill>
+                <a:effectLst/>
+                <a:latin typeface="-apple-system"/>
+              </a:rPr>
+              <a:t>ebtables</a:t>
+            </a:r>
+            <a:r>
+              <a:rPr lang="en-US" b="0" i="0" dirty="0">
+                <a:solidFill>
+                  <a:srgbClr val="24292E"/>
+                </a:solidFill>
+                <a:effectLst/>
+                <a:latin typeface="-apple-system"/>
+              </a:rPr>
+              <a:t>, </a:t>
+            </a:r>
+            <a:r>
+              <a:rPr lang="en-US" b="0" i="0" dirty="0" err="1">
+                <a:solidFill>
+                  <a:srgbClr val="24292E"/>
+                </a:solidFill>
+                <a:effectLst/>
+                <a:latin typeface="-apple-system"/>
+              </a:rPr>
+              <a:t>ethtool</a:t>
+            </a:r>
+            <a:r>
+              <a:rPr lang="en-US" b="0" i="0" dirty="0">
+                <a:solidFill>
+                  <a:srgbClr val="24292E"/>
+                </a:solidFill>
+                <a:effectLst/>
+                <a:latin typeface="-apple-system"/>
+              </a:rPr>
+              <a:t>, &amp; </a:t>
+            </a:r>
+            <a:r>
+              <a:rPr lang="en-US" b="0" i="0" dirty="0" err="1">
+                <a:solidFill>
+                  <a:srgbClr val="24292E"/>
+                </a:solidFill>
+                <a:effectLst/>
+                <a:latin typeface="-apple-system"/>
+              </a:rPr>
+              <a:t>soca</a:t>
+            </a:r>
+            <a:endParaRPr lang="en-US" b="0" i="0" dirty="0">
+              <a:solidFill>
+                <a:srgbClr val="24292E"/>
+              </a:solidFill>
+              <a:effectLst/>
+              <a:latin typeface="-apple-system"/>
+            </a:endParaRPr>
+          </a:p>
+          <a:p>
+            <a:endParaRPr lang="en-US" dirty="0"/>
+          </a:p>
+        </p:txBody>
+      </p:sp>
+    </p:spTree>
+    <p:extLst>
+      <p:ext uri="{BB962C8B-B14F-4D97-AF65-F5344CB8AC3E}">
+        <p14:creationId xmlns:p14="http://schemas.microsoft.com/office/powerpoint/2010/main" val="649326138"/>
+      </p:ext>
+    </p:extLst>
+  </p:cSld>
+  <p:clrMapOvr>
+    <a:masterClrMapping/>
+  </p:clrMapOvr>
+</p:sld>
+</file>
+
+<file path=ppt/slides/slide21.xml><?xml version="1.0" encoding="utf-8"?>
+<p:sld xmlns:a="http://schemas.openxmlformats.org/drawingml/2006/main" xmlns:r="http://schemas.openxmlformats.org/officeDocument/2006/relationships" xmlns:p="http://schemas.openxmlformats.org/presentationml/2006/main">
+  <p:cSld>
+    <p:spTree>
+      <p:nvGrpSpPr>
+        <p:cNvPr id="1" name=""/>
+        <p:cNvGrpSpPr/>
+        <p:nvPr/>
+      </p:nvGrpSpPr>
+      <p:grpSpPr>
+        <a:xfrm>
+          <a:off x="0" y="0"/>
+          <a:ext cx="0" cy="0"/>
+          <a:chOff x="0" y="0"/>
+          <a:chExt cx="0" cy="0"/>
+        </a:xfrm>
+      </p:grpSpPr>
+      <p:sp>
+        <p:nvSpPr>
+          <p:cNvPr id="3" name="Content Placeholder 2">
+            <a:extLst>
+              <a:ext uri="{FF2B5EF4-FFF2-40B4-BE49-F238E27FC236}">
+                <a16:creationId xmlns:a16="http://schemas.microsoft.com/office/drawing/2014/main" id="{D5812E7B-9C2F-4BB4-A52B-7A1697F7363F}"/>
+              </a:ext>
+            </a:extLst>
+          </p:cNvPr>
+          <p:cNvSpPr>
+            <a:spLocks noGrp="1"/>
+          </p:cNvSpPr>
+          <p:nvPr>
+            <p:ph idx="1"/>
+          </p:nvPr>
+        </p:nvSpPr>
+        <p:spPr>
+          <a:xfrm>
+            <a:off x="838200" y="529389"/>
+            <a:ext cx="10515600" cy="5647574"/>
+          </a:xfrm>
+        </p:spPr>
+        <p:txBody>
+          <a:bodyPr/>
+          <a:lstStyle/>
+          <a:p>
+            <a:r>
+              <a:rPr lang="ru-RU" dirty="0"/>
+              <a:t>Ове технологије се могу онемогућити или заменити за технологије по вашем избору.Поред тога, К3 поједностављује Кубернетес операције одржавањем функционалности за:Управљање ТЛС сертификатима Кубернетес компонентиУправљање везом између радничких и серверских чвороваАутоматско размештање ресурса Кубернетес-а из локалних манифеста, у стварном времену када се мењају.Управљање уграђеним етцд кластером (рад у току)</a:t>
+            </a:r>
+            <a:endParaRPr lang="en-US" dirty="0"/>
+          </a:p>
+        </p:txBody>
+      </p:sp>
+    </p:spTree>
+    <p:extLst>
+      <p:ext uri="{BB962C8B-B14F-4D97-AF65-F5344CB8AC3E}">
+        <p14:creationId xmlns:p14="http://schemas.microsoft.com/office/powerpoint/2010/main" val="2976419298"/>
+      </p:ext>
+    </p:extLst>
+  </p:cSld>
+  <p:clrMapOvr>
+    <a:masterClrMapping/>
+  </p:clrMapOvr>
+</p:sld>
+</file>
+
+<file path=ppt/slides/slide22.xml><?xml version="1.0" encoding="utf-8"?>
+<p:sld xmlns:a="http://schemas.openxmlformats.org/drawingml/2006/main" xmlns:r="http://schemas.openxmlformats.org/officeDocument/2006/relationships" xmlns:p="http://schemas.openxmlformats.org/presentationml/2006/main">
+  <p:cSld>
+    <p:spTree>
+      <p:nvGrpSpPr>
+        <p:cNvPr id="1" name=""/>
+        <p:cNvGrpSpPr/>
+        <p:nvPr/>
+      </p:nvGrpSpPr>
+      <p:grpSpPr>
+        <a:xfrm>
+          <a:off x="0" y="0"/>
+          <a:ext cx="0" cy="0"/>
+          <a:chOff x="0" y="0"/>
+          <a:chExt cx="0" cy="0"/>
+        </a:xfrm>
+      </p:grpSpPr>
+      <p:sp>
+        <p:nvSpPr>
+          <p:cNvPr id="2" name="Title 1">
+            <a:extLst>
+              <a:ext uri="{FF2B5EF4-FFF2-40B4-BE49-F238E27FC236}">
+                <a16:creationId xmlns:a16="http://schemas.microsoft.com/office/drawing/2014/main" id="{5E779342-61D5-4C8F-B68D-76017533AA52}"/>
+              </a:ext>
+            </a:extLst>
+          </p:cNvPr>
+          <p:cNvSpPr>
+            <a:spLocks noGrp="1"/>
+          </p:cNvSpPr>
+          <p:nvPr>
+            <p:ph type="title"/>
+          </p:nvPr>
+        </p:nvSpPr>
+        <p:spPr/>
+        <p:txBody>
+          <a:bodyPr/>
+          <a:lstStyle/>
+          <a:p>
+            <a:r>
+              <a:rPr lang="en-US" dirty="0"/>
+              <a:t>Ime za K3S?</a:t>
+            </a:r>
+          </a:p>
+        </p:txBody>
+      </p:sp>
+      <p:sp>
+        <p:nvSpPr>
+          <p:cNvPr id="3" name="Content Placeholder 2">
+            <a:extLst>
+              <a:ext uri="{FF2B5EF4-FFF2-40B4-BE49-F238E27FC236}">
+                <a16:creationId xmlns:a16="http://schemas.microsoft.com/office/drawing/2014/main" id="{C529405E-DF9E-4CC2-8E61-D050D745BD5D}"/>
+              </a:ext>
+            </a:extLst>
+          </p:cNvPr>
+          <p:cNvSpPr>
+            <a:spLocks noGrp="1"/>
+          </p:cNvSpPr>
+          <p:nvPr>
+            <p:ph idx="1"/>
+          </p:nvPr>
+        </p:nvSpPr>
+        <p:spPr/>
+        <p:txBody>
+          <a:bodyPr/>
+          <a:lstStyle/>
+          <a:p>
+            <a:r>
+              <a:rPr lang="ru-RU" dirty="0"/>
+              <a:t>Желели смо инсталацију Кубернетес-а која је била упола мања у погледу меморијског </a:t>
+            </a:r>
+            <a:r>
+              <a:rPr lang="en-US" dirty="0" err="1"/>
+              <a:t>prostora</a:t>
+            </a:r>
+            <a:r>
+              <a:rPr lang="ru-RU" dirty="0"/>
+              <a:t>. Кубернетес је реч од 10 слова </a:t>
+            </a:r>
+            <a:r>
+              <a:rPr lang="en-US" dirty="0" err="1"/>
+              <a:t>izvedena</a:t>
+            </a:r>
+            <a:r>
+              <a:rPr lang="en-US" dirty="0"/>
+              <a:t> je </a:t>
+            </a:r>
+            <a:r>
+              <a:rPr lang="en-US" dirty="0" err="1"/>
+              <a:t>skracenica</a:t>
+            </a:r>
+            <a:r>
+              <a:rPr lang="en-US" dirty="0"/>
+              <a:t> </a:t>
+            </a:r>
+            <a:r>
+              <a:rPr lang="en-US" dirty="0" err="1"/>
+              <a:t>kao</a:t>
+            </a:r>
+            <a:r>
+              <a:rPr lang="en-US" dirty="0"/>
+              <a:t> </a:t>
+            </a:r>
+            <a:r>
+              <a:rPr lang="ru-RU" dirty="0"/>
+              <a:t>к8с. Дакле, нешто упола </a:t>
+            </a:r>
+            <a:r>
+              <a:rPr lang="en-US" dirty="0" err="1"/>
+              <a:t>manje</a:t>
+            </a:r>
+            <a:r>
+              <a:rPr lang="ru-RU" dirty="0"/>
+              <a:t> од Кубернетеса била би реч од 5 слова стилизована као К3</a:t>
+            </a:r>
+            <a:r>
+              <a:rPr lang="en-US" dirty="0"/>
+              <a:t>s</a:t>
+            </a:r>
+            <a:r>
+              <a:rPr lang="ru-RU" dirty="0"/>
+              <a:t>. </a:t>
+            </a:r>
+            <a:endParaRPr lang="en-US" dirty="0"/>
+          </a:p>
+        </p:txBody>
+      </p:sp>
+    </p:spTree>
+    <p:extLst>
+      <p:ext uri="{BB962C8B-B14F-4D97-AF65-F5344CB8AC3E}">
+        <p14:creationId xmlns:p14="http://schemas.microsoft.com/office/powerpoint/2010/main" val="851085125"/>
+      </p:ext>
+    </p:extLst>
+  </p:cSld>
+  <p:clrMapOvr>
+    <a:masterClrMapping/>
+  </p:clrMapOvr>
+</p:sld>
+</file>
+
+<file path=ppt/slides/slide23.xml><?xml version="1.0" encoding="utf-8"?>
+<p:sld xmlns:a="http://schemas.openxmlformats.org/drawingml/2006/main" xmlns:r="http://schemas.openxmlformats.org/officeDocument/2006/relationships" xmlns:p="http://schemas.openxmlformats.org/presentationml/2006/main">
+  <p:cSld>
+    <p:spTree>
+      <p:nvGrpSpPr>
+        <p:cNvPr id="1" name=""/>
+        <p:cNvGrpSpPr/>
+        <p:nvPr/>
+      </p:nvGrpSpPr>
+      <p:grpSpPr>
+        <a:xfrm>
+          <a:off x="0" y="0"/>
+          <a:ext cx="0" cy="0"/>
+          <a:chOff x="0" y="0"/>
+          <a:chExt cx="0" cy="0"/>
+        </a:xfrm>
+      </p:grpSpPr>
+      <p:sp>
+        <p:nvSpPr>
+          <p:cNvPr id="2" name="Title 1">
+            <a:extLst>
+              <a:ext uri="{FF2B5EF4-FFF2-40B4-BE49-F238E27FC236}">
+                <a16:creationId xmlns:a16="http://schemas.microsoft.com/office/drawing/2014/main" id="{CDB78362-BB28-415F-9819-C700A8A6E1E0}"/>
+              </a:ext>
+            </a:extLst>
+          </p:cNvPr>
+          <p:cNvSpPr>
+            <a:spLocks noGrp="1"/>
+          </p:cNvSpPr>
+          <p:nvPr>
+            <p:ph type="title"/>
+          </p:nvPr>
+        </p:nvSpPr>
+        <p:spPr/>
+        <p:txBody>
+          <a:bodyPr/>
+          <a:lstStyle/>
+          <a:p>
+            <a:r>
+              <a:rPr lang="en-US" dirty="0"/>
+              <a:t>K3s je </a:t>
+            </a:r>
+            <a:r>
+              <a:rPr lang="en-US" dirty="0" err="1"/>
+              <a:t>distribucija</a:t>
+            </a:r>
+            <a:r>
+              <a:rPr lang="en-US" dirty="0"/>
+              <a:t> K8s </a:t>
+            </a:r>
+          </a:p>
+        </p:txBody>
+      </p:sp>
+      <p:sp>
+        <p:nvSpPr>
+          <p:cNvPr id="3" name="Content Placeholder 2">
+            <a:extLst>
+              <a:ext uri="{FF2B5EF4-FFF2-40B4-BE49-F238E27FC236}">
+                <a16:creationId xmlns:a16="http://schemas.microsoft.com/office/drawing/2014/main" id="{34624631-7808-40F6-8F01-9C68D24EEA8B}"/>
+              </a:ext>
+            </a:extLst>
+          </p:cNvPr>
+          <p:cNvSpPr>
+            <a:spLocks noGrp="1"/>
+          </p:cNvSpPr>
+          <p:nvPr>
+            <p:ph idx="1"/>
+          </p:nvPr>
+        </p:nvSpPr>
+        <p:spPr/>
+        <p:txBody>
+          <a:bodyPr/>
+          <a:lstStyle/>
+          <a:p>
+            <a:endParaRPr lang="en-US" dirty="0"/>
+          </a:p>
+        </p:txBody>
+      </p:sp>
+    </p:spTree>
+    <p:extLst>
+      <p:ext uri="{BB962C8B-B14F-4D97-AF65-F5344CB8AC3E}">
+        <p14:creationId xmlns:p14="http://schemas.microsoft.com/office/powerpoint/2010/main" val="254795839"/>
+      </p:ext>
+    </p:extLst>
+  </p:cSld>
+  <p:clrMapOvr>
+    <a:masterClrMapping/>
+  </p:clrMapOvr>
+</p:sld>
+</file>
+
+<file path=ppt/slides/slide24.xml><?xml version="1.0" encoding="utf-8"?>
+<p:sld xmlns:a="http://schemas.openxmlformats.org/drawingml/2006/main" xmlns:r="http://schemas.openxmlformats.org/officeDocument/2006/relationships" xmlns:p="http://schemas.openxmlformats.org/presentationml/2006/main">
+  <p:cSld>
+    <p:spTree>
+      <p:nvGrpSpPr>
+        <p:cNvPr id="1" name=""/>
+        <p:cNvGrpSpPr/>
+        <p:nvPr/>
+      </p:nvGrpSpPr>
+      <p:grpSpPr>
+        <a:xfrm>
+          <a:off x="0" y="0"/>
+          <a:ext cx="0" cy="0"/>
+          <a:chOff x="0" y="0"/>
+          <a:chExt cx="0" cy="0"/>
+        </a:xfrm>
+      </p:grpSpPr>
+      <p:sp>
+        <p:nvSpPr>
+          <p:cNvPr id="2" name="Title 1">
+            <a:extLst>
+              <a:ext uri="{FF2B5EF4-FFF2-40B4-BE49-F238E27FC236}">
+                <a16:creationId xmlns:a16="http://schemas.microsoft.com/office/drawing/2014/main" id="{CEC845AE-BB2A-4A0C-BB22-FEF24D7BD5C9}"/>
+              </a:ext>
+            </a:extLst>
+          </p:cNvPr>
+          <p:cNvSpPr>
+            <a:spLocks noGrp="1"/>
+          </p:cNvSpPr>
+          <p:nvPr>
+            <p:ph type="title"/>
+          </p:nvPr>
+        </p:nvSpPr>
+        <p:spPr/>
+        <p:txBody>
+          <a:bodyPr/>
+          <a:lstStyle/>
+          <a:p>
+            <a:r>
+              <a:rPr lang="en-US" dirty="0" err="1"/>
+              <a:t>Arhitektura</a:t>
+            </a:r>
+            <a:r>
+              <a:rPr lang="en-US" dirty="0"/>
+              <a:t> K3s</a:t>
+            </a:r>
+          </a:p>
+        </p:txBody>
+      </p:sp>
+      <p:pic>
+        <p:nvPicPr>
+          <p:cNvPr id="4" name="Picture 3">
+            <a:extLst>
+              <a:ext uri="{FF2B5EF4-FFF2-40B4-BE49-F238E27FC236}">
+                <a16:creationId xmlns:a16="http://schemas.microsoft.com/office/drawing/2014/main" id="{49A192B0-7E2B-4131-84AF-C04301E00C8F}"/>
+              </a:ext>
+            </a:extLst>
+          </p:cNvPr>
+          <p:cNvPicPr>
+            <a:picLocks noChangeAspect="1"/>
+          </p:cNvPicPr>
+          <p:nvPr/>
+        </p:nvPicPr>
+        <p:blipFill rotWithShape="1">
+          <a:blip r:embed="rId2"/>
+          <a:srcRect l="5690" t="5831" r="4007" b="4384"/>
+          <a:stretch/>
+        </p:blipFill>
+        <p:spPr>
+          <a:xfrm>
+            <a:off x="1007706" y="1606712"/>
+            <a:ext cx="9181322" cy="5027353"/>
+          </a:xfrm>
+          <a:prstGeom prst="rect">
+            <a:avLst/>
+          </a:prstGeom>
+        </p:spPr>
+      </p:pic>
+    </p:spTree>
+    <p:extLst>
+      <p:ext uri="{BB962C8B-B14F-4D97-AF65-F5344CB8AC3E}">
+        <p14:creationId xmlns:p14="http://schemas.microsoft.com/office/powerpoint/2010/main" val="2160984071"/>
+      </p:ext>
+    </p:extLst>
+  </p:cSld>
+  <p:clrMapOvr>
+    <a:masterClrMapping/>
+  </p:clrMapOvr>
+</p:sld>
+</file>
+
+<file path=ppt/slides/slide25.xml><?xml version="1.0" encoding="utf-8"?>
+<p:sld xmlns:a="http://schemas.openxmlformats.org/drawingml/2006/main" xmlns:r="http://schemas.openxmlformats.org/officeDocument/2006/relationships" xmlns:p="http://schemas.openxmlformats.org/presentationml/2006/main">
+  <p:cSld>
+    <p:spTree>
+      <p:nvGrpSpPr>
+        <p:cNvPr id="1" name=""/>
+        <p:cNvGrpSpPr/>
+        <p:nvPr/>
+      </p:nvGrpSpPr>
+      <p:grpSpPr>
+        <a:xfrm>
+          <a:off x="0" y="0"/>
+          <a:ext cx="0" cy="0"/>
+          <a:chOff x="0" y="0"/>
+          <a:chExt cx="0" cy="0"/>
+        </a:xfrm>
+      </p:grpSpPr>
+      <p:sp>
+        <p:nvSpPr>
+          <p:cNvPr id="2" name="Title 1">
+            <a:extLst>
+              <a:ext uri="{FF2B5EF4-FFF2-40B4-BE49-F238E27FC236}">
+                <a16:creationId xmlns:a16="http://schemas.microsoft.com/office/drawing/2014/main" id="{B94D50C5-1CBE-49ED-A5A6-AD8AF8CDDBDB}"/>
+              </a:ext>
+            </a:extLst>
+          </p:cNvPr>
+          <p:cNvSpPr>
+            <a:spLocks noGrp="1"/>
+          </p:cNvSpPr>
+          <p:nvPr>
+            <p:ph type="title"/>
+          </p:nvPr>
+        </p:nvSpPr>
+        <p:spPr/>
+        <p:txBody>
+          <a:bodyPr>
+            <a:normAutofit/>
+          </a:bodyPr>
+          <a:lstStyle/>
+          <a:p>
+            <a:r>
+              <a:rPr lang="en-US" b="0" i="0" dirty="0">
+                <a:solidFill>
+                  <a:srgbClr val="34485D"/>
+                </a:solidFill>
+                <a:effectLst/>
+                <a:latin typeface="Poppins"/>
+              </a:rPr>
+              <a:t>Single-server </a:t>
+            </a:r>
+            <a:r>
+              <a:rPr lang="en-US" b="0" i="0" dirty="0" err="1">
+                <a:solidFill>
+                  <a:srgbClr val="34485D"/>
+                </a:solidFill>
+                <a:effectLst/>
+                <a:latin typeface="Poppins"/>
+              </a:rPr>
+              <a:t>arhitektura</a:t>
+            </a:r>
+            <a:r>
+              <a:rPr lang="en-US" b="0" i="0" dirty="0">
+                <a:solidFill>
+                  <a:srgbClr val="34485D"/>
+                </a:solidFill>
+                <a:effectLst/>
+                <a:latin typeface="Poppins"/>
+              </a:rPr>
+              <a:t> </a:t>
+            </a:r>
+            <a:r>
+              <a:rPr lang="en-US" b="0" i="0" dirty="0" err="1">
+                <a:solidFill>
+                  <a:srgbClr val="34485D"/>
+                </a:solidFill>
+                <a:effectLst/>
+                <a:latin typeface="Poppins"/>
+              </a:rPr>
+              <a:t>sa</a:t>
+            </a:r>
+            <a:r>
+              <a:rPr lang="en-US" b="0" i="0" dirty="0">
+                <a:solidFill>
+                  <a:srgbClr val="34485D"/>
+                </a:solidFill>
+                <a:effectLst/>
+                <a:latin typeface="Poppins"/>
+              </a:rPr>
+              <a:t> </a:t>
+            </a:r>
+            <a:r>
+              <a:rPr lang="en-US" b="0" i="0" dirty="0" err="1">
+                <a:solidFill>
+                  <a:srgbClr val="34485D"/>
+                </a:solidFill>
+                <a:effectLst/>
+                <a:latin typeface="Poppins"/>
+              </a:rPr>
+              <a:t>ugradjenom</a:t>
+            </a:r>
+            <a:r>
+              <a:rPr lang="en-US" b="0" i="0" dirty="0">
+                <a:solidFill>
+                  <a:srgbClr val="34485D"/>
+                </a:solidFill>
+                <a:effectLst/>
+                <a:latin typeface="Poppins"/>
+              </a:rPr>
+              <a:t> DB</a:t>
+            </a:r>
+            <a:br>
+              <a:rPr lang="en-US" b="0" i="0" dirty="0">
+                <a:solidFill>
+                  <a:srgbClr val="34485D"/>
+                </a:solidFill>
+                <a:effectLst/>
+                <a:latin typeface="Poppins"/>
+              </a:rPr>
+            </a:br>
+            <a:endParaRPr lang="en-US" dirty="0"/>
+          </a:p>
+        </p:txBody>
+      </p:sp>
+      <p:pic>
+        <p:nvPicPr>
+          <p:cNvPr id="4" name="Picture 3">
+            <a:extLst>
+              <a:ext uri="{FF2B5EF4-FFF2-40B4-BE49-F238E27FC236}">
+                <a16:creationId xmlns:a16="http://schemas.microsoft.com/office/drawing/2014/main" id="{6F141886-06A1-47F5-8700-29F28A7D6DB8}"/>
+              </a:ext>
+            </a:extLst>
+          </p:cNvPr>
+          <p:cNvPicPr>
+            <a:picLocks noChangeAspect="1"/>
+          </p:cNvPicPr>
+          <p:nvPr/>
+        </p:nvPicPr>
+        <p:blipFill>
+          <a:blip r:embed="rId2"/>
+          <a:stretch>
+            <a:fillRect/>
+          </a:stretch>
+        </p:blipFill>
+        <p:spPr>
+          <a:xfrm>
+            <a:off x="3643316" y="1595536"/>
+            <a:ext cx="8389578" cy="4398780"/>
+          </a:xfrm>
+          <a:prstGeom prst="rect">
+            <a:avLst/>
+          </a:prstGeom>
+        </p:spPr>
+      </p:pic>
+      <p:sp>
+        <p:nvSpPr>
+          <p:cNvPr id="6" name="TextBox 5">
+            <a:extLst>
+              <a:ext uri="{FF2B5EF4-FFF2-40B4-BE49-F238E27FC236}">
+                <a16:creationId xmlns:a16="http://schemas.microsoft.com/office/drawing/2014/main" id="{5DE352E5-E3EB-436F-8121-5707782533D9}"/>
+              </a:ext>
+            </a:extLst>
+          </p:cNvPr>
+          <p:cNvSpPr txBox="1"/>
+          <p:nvPr/>
+        </p:nvSpPr>
+        <p:spPr>
+          <a:xfrm>
+            <a:off x="159106" y="2026590"/>
+            <a:ext cx="3256384" cy="3139321"/>
+          </a:xfrm>
+          <a:prstGeom prst="rect">
+            <a:avLst/>
+          </a:prstGeom>
+          <a:noFill/>
+        </p:spPr>
+        <p:txBody>
+          <a:bodyPr wrap="square" rtlCol="0">
+            <a:spAutoFit/>
+          </a:bodyPr>
+          <a:lstStyle/>
+          <a:p>
+            <a:r>
+              <a:rPr lang="en-US" sz="2200" b="0" i="0" dirty="0">
+                <a:solidFill>
+                  <a:srgbClr val="3D3D3D"/>
+                </a:solidFill>
+                <a:effectLst/>
+                <a:latin typeface="Roboto" panose="02000000000000000000" pitchFamily="2" charset="0"/>
+              </a:rPr>
+              <a:t>U </a:t>
+            </a:r>
+            <a:r>
+              <a:rPr lang="en-US" sz="2200" b="0" i="0" dirty="0" err="1">
+                <a:solidFill>
+                  <a:srgbClr val="3D3D3D"/>
+                </a:solidFill>
+                <a:effectLst/>
+                <a:latin typeface="Roboto" panose="02000000000000000000" pitchFamily="2" charset="0"/>
+              </a:rPr>
+              <a:t>ovoj</a:t>
+            </a:r>
+            <a:r>
+              <a:rPr lang="en-US" sz="2200" b="0" i="0" dirty="0">
+                <a:solidFill>
+                  <a:srgbClr val="3D3D3D"/>
+                </a:solidFill>
+                <a:effectLst/>
+                <a:latin typeface="Roboto" panose="02000000000000000000" pitchFamily="2" charset="0"/>
+              </a:rPr>
+              <a:t> </a:t>
+            </a:r>
+            <a:r>
+              <a:rPr lang="en-US" sz="2200" b="0" i="0" dirty="0" err="1">
+                <a:solidFill>
+                  <a:srgbClr val="3D3D3D"/>
+                </a:solidFill>
+                <a:effectLst/>
+                <a:latin typeface="Roboto" panose="02000000000000000000" pitchFamily="2" charset="0"/>
+              </a:rPr>
+              <a:t>arhitekturi</a:t>
+            </a:r>
+            <a:r>
+              <a:rPr lang="en-US" sz="2200" b="0" i="0" dirty="0">
+                <a:solidFill>
+                  <a:srgbClr val="3D3D3D"/>
+                </a:solidFill>
+                <a:effectLst/>
+                <a:latin typeface="Roboto" panose="02000000000000000000" pitchFamily="2" charset="0"/>
+              </a:rPr>
+              <a:t>, </a:t>
+            </a:r>
+            <a:r>
+              <a:rPr lang="en-US" sz="2200" b="0" i="0" dirty="0" err="1">
+                <a:solidFill>
+                  <a:srgbClr val="3D3D3D"/>
+                </a:solidFill>
+                <a:effectLst/>
+                <a:latin typeface="Roboto" panose="02000000000000000000" pitchFamily="2" charset="0"/>
+              </a:rPr>
+              <a:t>svaki</a:t>
+            </a:r>
+            <a:r>
+              <a:rPr lang="en-US" sz="2200" b="0" i="0" dirty="0">
+                <a:solidFill>
+                  <a:srgbClr val="3D3D3D"/>
+                </a:solidFill>
+                <a:effectLst/>
+                <a:latin typeface="Roboto" panose="02000000000000000000" pitchFamily="2" charset="0"/>
+              </a:rPr>
+              <a:t> agent node je </a:t>
+            </a:r>
+            <a:r>
+              <a:rPr lang="en-US" sz="2200" b="0" i="0" dirty="0" err="1">
+                <a:solidFill>
+                  <a:srgbClr val="3D3D3D"/>
+                </a:solidFill>
+                <a:effectLst/>
+                <a:latin typeface="Roboto" panose="02000000000000000000" pitchFamily="2" charset="0"/>
+              </a:rPr>
+              <a:t>registerovan</a:t>
+            </a:r>
+            <a:r>
+              <a:rPr lang="en-US" sz="2200" b="0" i="0" dirty="0">
+                <a:solidFill>
+                  <a:srgbClr val="3D3D3D"/>
+                </a:solidFill>
+                <a:effectLst/>
+                <a:latin typeface="Roboto" panose="02000000000000000000" pitchFamily="2" charset="0"/>
+              </a:rPr>
+              <a:t> </a:t>
+            </a:r>
+            <a:r>
+              <a:rPr lang="en-US" sz="2200" b="0" i="0" dirty="0" err="1">
+                <a:solidFill>
+                  <a:srgbClr val="3D3D3D"/>
+                </a:solidFill>
+                <a:effectLst/>
+                <a:latin typeface="Roboto" panose="02000000000000000000" pitchFamily="2" charset="0"/>
+              </a:rPr>
+              <a:t>na</a:t>
+            </a:r>
+            <a:r>
+              <a:rPr lang="en-US" sz="2200" b="0" i="0" dirty="0">
+                <a:solidFill>
+                  <a:srgbClr val="3D3D3D"/>
+                </a:solidFill>
+                <a:effectLst/>
+                <a:latin typeface="Roboto" panose="02000000000000000000" pitchFamily="2" charset="0"/>
+              </a:rPr>
+              <a:t> </a:t>
+            </a:r>
+            <a:r>
+              <a:rPr lang="en-US" sz="2200" b="0" i="0" dirty="0" err="1">
+                <a:solidFill>
+                  <a:srgbClr val="3D3D3D"/>
+                </a:solidFill>
+                <a:effectLst/>
+                <a:latin typeface="Roboto" panose="02000000000000000000" pitchFamily="2" charset="0"/>
+              </a:rPr>
+              <a:t>isti</a:t>
+            </a:r>
+            <a:r>
+              <a:rPr lang="en-US" sz="2200" b="0" i="0" dirty="0">
+                <a:solidFill>
+                  <a:srgbClr val="3D3D3D"/>
+                </a:solidFill>
+                <a:effectLst/>
+                <a:latin typeface="Roboto" panose="02000000000000000000" pitchFamily="2" charset="0"/>
+              </a:rPr>
+              <a:t> server node. </a:t>
+            </a:r>
+          </a:p>
+          <a:p>
+            <a:endParaRPr lang="en-US" sz="2200" b="0" i="0" dirty="0">
+              <a:solidFill>
+                <a:srgbClr val="3D3D3D"/>
+              </a:solidFill>
+              <a:effectLst/>
+              <a:latin typeface="Roboto" panose="02000000000000000000" pitchFamily="2" charset="0"/>
+            </a:endParaRPr>
+          </a:p>
+          <a:p>
+            <a:r>
+              <a:rPr lang="en-US" sz="2200" b="0" i="0" dirty="0">
+                <a:solidFill>
+                  <a:srgbClr val="3D3D3D"/>
+                </a:solidFill>
+                <a:effectLst/>
+                <a:latin typeface="Roboto" panose="02000000000000000000" pitchFamily="2" charset="0"/>
+              </a:rPr>
+              <a:t>K3s user </a:t>
+            </a:r>
+            <a:r>
+              <a:rPr lang="en-US" sz="2200" dirty="0" err="1">
+                <a:solidFill>
+                  <a:srgbClr val="3D3D3D"/>
+                </a:solidFill>
+                <a:latin typeface="Roboto" panose="02000000000000000000" pitchFamily="2" charset="0"/>
+              </a:rPr>
+              <a:t>moze</a:t>
+            </a:r>
+            <a:r>
+              <a:rPr lang="en-US" sz="2200" dirty="0">
+                <a:solidFill>
+                  <a:srgbClr val="3D3D3D"/>
+                </a:solidFill>
+                <a:latin typeface="Roboto" panose="02000000000000000000" pitchFamily="2" charset="0"/>
+              </a:rPr>
+              <a:t> da </a:t>
+            </a:r>
+            <a:r>
+              <a:rPr lang="en-US" sz="2200" dirty="0" err="1">
+                <a:solidFill>
+                  <a:srgbClr val="3D3D3D"/>
+                </a:solidFill>
+                <a:latin typeface="Roboto" panose="02000000000000000000" pitchFamily="2" charset="0"/>
+              </a:rPr>
+              <a:t>upravlja</a:t>
+            </a:r>
+            <a:r>
+              <a:rPr lang="en-US" sz="2200" b="0" i="0" dirty="0">
+                <a:solidFill>
+                  <a:srgbClr val="3D3D3D"/>
+                </a:solidFill>
+                <a:effectLst/>
+                <a:latin typeface="Roboto" panose="02000000000000000000" pitchFamily="2" charset="0"/>
+              </a:rPr>
+              <a:t> Kubernetes </a:t>
+            </a:r>
+            <a:r>
+              <a:rPr lang="en-US" sz="2200" b="0" i="0" dirty="0" err="1">
+                <a:solidFill>
+                  <a:srgbClr val="3D3D3D"/>
+                </a:solidFill>
+                <a:effectLst/>
+                <a:latin typeface="Roboto" panose="02000000000000000000" pitchFamily="2" charset="0"/>
+              </a:rPr>
+              <a:t>resursima</a:t>
+            </a:r>
+            <a:r>
+              <a:rPr lang="en-US" sz="2200" b="0" i="0" dirty="0">
+                <a:solidFill>
+                  <a:srgbClr val="3D3D3D"/>
+                </a:solidFill>
+                <a:effectLst/>
+                <a:latin typeface="Roboto" panose="02000000000000000000" pitchFamily="2" charset="0"/>
+              </a:rPr>
+              <a:t> </a:t>
+            </a:r>
+            <a:r>
+              <a:rPr lang="en-US" sz="2200" b="0" i="0" dirty="0" err="1">
+                <a:solidFill>
+                  <a:srgbClr val="3D3D3D"/>
+                </a:solidFill>
+                <a:effectLst/>
+                <a:latin typeface="Roboto" panose="02000000000000000000" pitchFamily="2" charset="0"/>
+              </a:rPr>
+              <a:t>pozivajuci</a:t>
+            </a:r>
+            <a:r>
+              <a:rPr lang="en-US" sz="2200" b="0" i="0" dirty="0">
+                <a:solidFill>
+                  <a:srgbClr val="3D3D3D"/>
+                </a:solidFill>
+                <a:effectLst/>
+                <a:latin typeface="Roboto" panose="02000000000000000000" pitchFamily="2" charset="0"/>
+              </a:rPr>
+              <a:t> K3s API </a:t>
+            </a:r>
+            <a:r>
+              <a:rPr lang="en-US" sz="2200" b="0" i="0" dirty="0" err="1">
+                <a:solidFill>
+                  <a:srgbClr val="3D3D3D"/>
+                </a:solidFill>
+                <a:effectLst/>
+                <a:latin typeface="Roboto" panose="02000000000000000000" pitchFamily="2" charset="0"/>
+              </a:rPr>
+              <a:t>na</a:t>
+            </a:r>
+            <a:r>
+              <a:rPr lang="en-US" sz="2200" b="0" i="0" dirty="0">
+                <a:solidFill>
+                  <a:srgbClr val="3D3D3D"/>
+                </a:solidFill>
+                <a:effectLst/>
+                <a:latin typeface="Roboto" panose="02000000000000000000" pitchFamily="2" charset="0"/>
+              </a:rPr>
+              <a:t> server </a:t>
+            </a:r>
+            <a:r>
+              <a:rPr lang="en-US" sz="2200" b="0" i="0" dirty="0" err="1">
+                <a:solidFill>
+                  <a:srgbClr val="3D3D3D"/>
+                </a:solidFill>
+                <a:effectLst/>
+                <a:latin typeface="Roboto" panose="02000000000000000000" pitchFamily="2" charset="0"/>
+              </a:rPr>
+              <a:t>nodu</a:t>
+            </a:r>
+            <a:r>
+              <a:rPr lang="en-US" sz="2200" b="0" i="0" dirty="0">
+                <a:solidFill>
+                  <a:srgbClr val="3D3D3D"/>
+                </a:solidFill>
+                <a:effectLst/>
+                <a:latin typeface="Roboto" panose="02000000000000000000" pitchFamily="2" charset="0"/>
+              </a:rPr>
+              <a:t>.</a:t>
+            </a:r>
+            <a:endParaRPr lang="en-US" sz="2200" dirty="0"/>
+          </a:p>
+        </p:txBody>
+      </p:sp>
+    </p:spTree>
+    <p:extLst>
+      <p:ext uri="{BB962C8B-B14F-4D97-AF65-F5344CB8AC3E}">
+        <p14:creationId xmlns:p14="http://schemas.microsoft.com/office/powerpoint/2010/main" val="502548173"/>
+      </p:ext>
+    </p:extLst>
+  </p:cSld>
+  <p:clrMapOvr>
+    <a:masterClrMapping/>
+  </p:clrMapOvr>
+</p:sld>
+</file>
+
+<file path=ppt/slides/slide26.xml><?xml version="1.0" encoding="utf-8"?>
+<p:sld xmlns:a="http://schemas.openxmlformats.org/drawingml/2006/main" xmlns:r="http://schemas.openxmlformats.org/officeDocument/2006/relationships" xmlns:p="http://schemas.openxmlformats.org/presentationml/2006/main">
+  <p:cSld>
+    <p:spTree>
+      <p:nvGrpSpPr>
+        <p:cNvPr id="1" name=""/>
+        <p:cNvGrpSpPr/>
+        <p:nvPr/>
+      </p:nvGrpSpPr>
+      <p:grpSpPr>
+        <a:xfrm>
+          <a:off x="0" y="0"/>
+          <a:ext cx="0" cy="0"/>
+          <a:chOff x="0" y="0"/>
+          <a:chExt cx="0" cy="0"/>
+        </a:xfrm>
+      </p:grpSpPr>
+      <p:sp>
+        <p:nvSpPr>
+          <p:cNvPr id="2" name="Title 1">
+            <a:extLst>
+              <a:ext uri="{FF2B5EF4-FFF2-40B4-BE49-F238E27FC236}">
+                <a16:creationId xmlns:a16="http://schemas.microsoft.com/office/drawing/2014/main" id="{024EC095-3051-41B2-B93B-FCEEA25FF4BB}"/>
+              </a:ext>
+            </a:extLst>
+          </p:cNvPr>
+          <p:cNvSpPr>
+            <a:spLocks noGrp="1"/>
+          </p:cNvSpPr>
+          <p:nvPr>
+            <p:ph type="title"/>
+          </p:nvPr>
+        </p:nvSpPr>
+        <p:spPr/>
+        <p:txBody>
+          <a:bodyPr/>
+          <a:lstStyle/>
+          <a:p>
+            <a:r>
+              <a:rPr lang="en-US" dirty="0" err="1"/>
+              <a:t>Visoko</a:t>
+            </a:r>
+            <a:r>
+              <a:rPr lang="en-US" dirty="0"/>
+              <a:t> </a:t>
+            </a:r>
+            <a:r>
+              <a:rPr lang="en-US" dirty="0" err="1"/>
+              <a:t>dostupni</a:t>
+            </a:r>
+            <a:r>
+              <a:rPr lang="en-US" dirty="0"/>
+              <a:t> K3s server </a:t>
+            </a:r>
+            <a:r>
+              <a:rPr lang="en-US" dirty="0" err="1"/>
+              <a:t>sa</a:t>
+            </a:r>
+            <a:r>
+              <a:rPr lang="en-US" dirty="0"/>
+              <a:t> </a:t>
+            </a:r>
+            <a:r>
+              <a:rPr lang="en-US" dirty="0" err="1"/>
+              <a:t>eksternom</a:t>
+            </a:r>
+            <a:r>
+              <a:rPr lang="en-US" dirty="0"/>
+              <a:t> DB</a:t>
+            </a:r>
+          </a:p>
+        </p:txBody>
+      </p:sp>
+      <p:pic>
+        <p:nvPicPr>
+          <p:cNvPr id="4" name="Picture 3">
+            <a:extLst>
+              <a:ext uri="{FF2B5EF4-FFF2-40B4-BE49-F238E27FC236}">
+                <a16:creationId xmlns:a16="http://schemas.microsoft.com/office/drawing/2014/main" id="{CC93551D-0205-4EE8-B915-32B9485BEF3E}"/>
+              </a:ext>
+            </a:extLst>
+          </p:cNvPr>
+          <p:cNvPicPr>
+            <a:picLocks noChangeAspect="1"/>
+          </p:cNvPicPr>
+          <p:nvPr/>
+        </p:nvPicPr>
+        <p:blipFill>
+          <a:blip r:embed="rId2"/>
+          <a:stretch>
+            <a:fillRect/>
+          </a:stretch>
+        </p:blipFill>
+        <p:spPr>
+          <a:xfrm>
+            <a:off x="4281949" y="2052735"/>
+            <a:ext cx="7780393" cy="3599672"/>
+          </a:xfrm>
+          <a:prstGeom prst="rect">
+            <a:avLst/>
+          </a:prstGeom>
+        </p:spPr>
+      </p:pic>
+      <p:sp>
+        <p:nvSpPr>
+          <p:cNvPr id="5" name="TextBox 4">
+            <a:extLst>
+              <a:ext uri="{FF2B5EF4-FFF2-40B4-BE49-F238E27FC236}">
+                <a16:creationId xmlns:a16="http://schemas.microsoft.com/office/drawing/2014/main" id="{7925E147-D6D8-4621-9447-FDDFC337CA40}"/>
+              </a:ext>
+            </a:extLst>
+          </p:cNvPr>
+          <p:cNvSpPr txBox="1"/>
+          <p:nvPr/>
+        </p:nvSpPr>
+        <p:spPr>
+          <a:xfrm>
+            <a:off x="578498" y="2351314"/>
+            <a:ext cx="2808514" cy="646331"/>
+          </a:xfrm>
+          <a:prstGeom prst="rect">
+            <a:avLst/>
+          </a:prstGeom>
+          <a:noFill/>
+        </p:spPr>
+        <p:txBody>
+          <a:bodyPr wrap="square" rtlCol="0">
+            <a:spAutoFit/>
+          </a:bodyPr>
+          <a:lstStyle/>
+          <a:p>
+            <a:r>
+              <a:rPr lang="en-US" dirty="0"/>
+              <a:t>HA K3s server se </a:t>
+            </a:r>
+            <a:r>
+              <a:rPr lang="en-US" dirty="0" err="1"/>
+              <a:t>sastoji</a:t>
+            </a:r>
+            <a:r>
+              <a:rPr lang="en-US" dirty="0"/>
+              <a:t> od:</a:t>
+            </a:r>
+          </a:p>
+          <a:p>
+            <a:pPr marL="285750" indent="-285750">
+              <a:buFont typeface="Arial" panose="020B0604020202020204" pitchFamily="34" charset="0"/>
+              <a:buChar char="•"/>
+            </a:pPr>
+            <a:r>
+              <a:rPr lang="en-US" dirty="0" err="1"/>
+              <a:t>Dva</a:t>
+            </a:r>
+            <a:r>
+              <a:rPr lang="en-US" dirty="0"/>
+              <a:t> </a:t>
+            </a:r>
+            <a:r>
+              <a:rPr lang="en-US" dirty="0" err="1"/>
+              <a:t>ili</a:t>
+            </a:r>
+            <a:r>
+              <a:rPr lang="en-US" dirty="0"/>
+              <a:t> vise server </a:t>
+            </a:r>
+            <a:r>
+              <a:rPr lang="en-US" dirty="0" err="1"/>
+              <a:t>noda</a:t>
+            </a:r>
+            <a:r>
+              <a:rPr lang="en-US"/>
+              <a:t>  </a:t>
+            </a:r>
+            <a:endParaRPr lang="en-US" dirty="0"/>
+          </a:p>
+        </p:txBody>
+      </p:sp>
+    </p:spTree>
+    <p:extLst>
+      <p:ext uri="{BB962C8B-B14F-4D97-AF65-F5344CB8AC3E}">
+        <p14:creationId xmlns:p14="http://schemas.microsoft.com/office/powerpoint/2010/main" val="335353607"/>
+      </p:ext>
+    </p:extLst>
+  </p:cSld>
+  <p:clrMapOvr>
+    <a:masterClrMapping/>
+  </p:clrMapOvr>
+</p:sld>
+</file>
+
+<file path=ppt/slides/slide27.xml><?xml version="1.0" encoding="utf-8"?>
+<p:sld xmlns:a="http://schemas.openxmlformats.org/drawingml/2006/main" xmlns:r="http://schemas.openxmlformats.org/officeDocument/2006/relationships" xmlns:p="http://schemas.openxmlformats.org/presentationml/2006/main">
+  <p:cSld>
     <p:bg>
       <p:bgPr>
         <a:solidFill>
@@ -8381,448 +11083,6 @@
       <p:bldP spid="2" grpId="0"/>
     </p:bldLst>
   </p:timing>
-</p:sld>
-</file>
-
-<file path=ppt/slides/slide2.xml><?xml version="1.0" encoding="utf-8"?>
-<p:sld xmlns:a="http://schemas.openxmlformats.org/drawingml/2006/main" xmlns:r="http://schemas.openxmlformats.org/officeDocument/2006/relationships" xmlns:p="http://schemas.openxmlformats.org/presentationml/2006/main">
-  <p:cSld>
-    <p:bg>
-      <p:bgPr>
-        <a:solidFill>
-          <a:schemeClr val="bg1"/>
-        </a:solidFill>
-        <a:effectLst/>
-      </p:bgPr>
-    </p:bg>
-    <p:spTree>
-      <p:nvGrpSpPr>
-        <p:cNvPr id="1" name=""/>
-        <p:cNvGrpSpPr/>
-        <p:nvPr/>
-      </p:nvGrpSpPr>
-      <p:grpSpPr>
-        <a:xfrm>
-          <a:off x="0" y="0"/>
-          <a:ext cx="0" cy="0"/>
-          <a:chOff x="0" y="0"/>
-          <a:chExt cx="0" cy="0"/>
-        </a:xfrm>
-      </p:grpSpPr>
-      <p:sp useBgFill="1">
-        <p:nvSpPr>
-          <p:cNvPr id="8" name="Rectangle 7">
-            <a:extLst>
-              <a:ext uri="{FF2B5EF4-FFF2-40B4-BE49-F238E27FC236}">
-                <a16:creationId xmlns:a16="http://schemas.microsoft.com/office/drawing/2014/main" id="{907EF6B7-1338-4443-8C46-6A318D952DFD}"/>
-              </a:ext>
-              <a:ext uri="{C183D7F6-B498-43B3-948B-1728B52AA6E4}">
-                <adec:decorative xmlns:adec="http://schemas.microsoft.com/office/drawing/2017/decorative" val="1"/>
-              </a:ext>
-            </a:extLst>
-          </p:cNvPr>
-          <p:cNvSpPr>
-            <a:spLocks noGrp="1" noRot="1" noChangeAspect="1" noMove="1" noResize="1" noEditPoints="1" noAdjustHandles="1" noChangeArrowheads="1" noChangeShapeType="1" noTextEdit="1"/>
-          </p:cNvSpPr>
-          <p:nvPr>
-            <p:extLst>
-              <p:ext uri="{386F3935-93C4-4BCD-93E2-E3B085C9AB24}">
-                <p16:designElem xmlns:p16="http://schemas.microsoft.com/office/powerpoint/2015/main" val="1"/>
-              </p:ext>
-            </p:extLst>
-          </p:nvPr>
-        </p:nvSpPr>
-        <p:spPr>
-          <a:xfrm>
-            <a:off x="3048" y="0"/>
-            <a:ext cx="12188952" cy="6858000"/>
-          </a:xfrm>
-          <a:prstGeom prst="rect">
-            <a:avLst/>
-          </a:prstGeom>
-          <a:ln>
-            <a:noFill/>
-          </a:ln>
-        </p:spPr>
-        <p:style>
-          <a:lnRef idx="2">
-            <a:schemeClr val="accent1">
-              <a:shade val="50000"/>
-            </a:schemeClr>
-          </a:lnRef>
-          <a:fillRef idx="1">
-            <a:schemeClr val="accent1"/>
-          </a:fillRef>
-          <a:effectRef idx="0">
-            <a:schemeClr val="accent1"/>
-          </a:effectRef>
-          <a:fontRef idx="minor">
-            <a:schemeClr val="lt1"/>
-          </a:fontRef>
-        </p:style>
-        <p:txBody>
-          <a:bodyPr rtlCol="0" anchor="ctr"/>
-          <a:lstStyle/>
-          <a:p>
-            <a:pPr algn="ctr"/>
-            <a:endParaRPr lang="en-US"/>
-          </a:p>
-        </p:txBody>
-      </p:sp>
-      <p:sp>
-        <p:nvSpPr>
-          <p:cNvPr id="10" name="Freeform: Shape 9">
-            <a:extLst>
-              <a:ext uri="{FF2B5EF4-FFF2-40B4-BE49-F238E27FC236}">
-                <a16:creationId xmlns:a16="http://schemas.microsoft.com/office/drawing/2014/main" id="{DAAE4CDD-124C-4DCF-9584-B6033B545DD5}"/>
-              </a:ext>
-              <a:ext uri="{C183D7F6-B498-43B3-948B-1728B52AA6E4}">
-                <adec:decorative xmlns:adec="http://schemas.microsoft.com/office/drawing/2017/decorative" val="1"/>
-              </a:ext>
-            </a:extLst>
-          </p:cNvPr>
-          <p:cNvSpPr>
-            <a:spLocks noGrp="1" noRot="1" noChangeAspect="1" noMove="1" noResize="1" noEditPoints="1" noAdjustHandles="1" noChangeArrowheads="1" noChangeShapeType="1" noTextEdit="1"/>
-          </p:cNvSpPr>
-          <p:nvPr>
-            <p:extLst>
-              <p:ext uri="{386F3935-93C4-4BCD-93E2-E3B085C9AB24}">
-                <p16:designElem xmlns:p16="http://schemas.microsoft.com/office/powerpoint/2015/main" val="1"/>
-              </p:ext>
-            </p:extLst>
-          </p:nvPr>
-        </p:nvSpPr>
-        <p:spPr>
-          <a:xfrm>
-            <a:off x="1" y="0"/>
-            <a:ext cx="4167271" cy="6858000"/>
-          </a:xfrm>
-          <a:custGeom>
-            <a:avLst/>
-            <a:gdLst>
-              <a:gd name="connsiteX0" fmla="*/ 0 w 4167271"/>
-              <a:gd name="connsiteY0" fmla="*/ 0 h 6858000"/>
-              <a:gd name="connsiteX1" fmla="*/ 2259550 w 4167271"/>
-              <a:gd name="connsiteY1" fmla="*/ 0 h 6858000"/>
-              <a:gd name="connsiteX2" fmla="*/ 2387803 w 4167271"/>
-              <a:gd name="connsiteY2" fmla="*/ 82222 h 6858000"/>
-              <a:gd name="connsiteX3" fmla="*/ 4167271 w 4167271"/>
-              <a:gd name="connsiteY3" fmla="*/ 3429000 h 6858000"/>
-              <a:gd name="connsiteX4" fmla="*/ 2387803 w 4167271"/>
-              <a:gd name="connsiteY4" fmla="*/ 6775779 h 6858000"/>
-              <a:gd name="connsiteX5" fmla="*/ 2259550 w 4167271"/>
-              <a:gd name="connsiteY5" fmla="*/ 6858000 h 6858000"/>
-              <a:gd name="connsiteX6" fmla="*/ 0 w 4167271"/>
-              <a:gd name="connsiteY6" fmla="*/ 6858000 h 6858000"/>
-            </a:gdLst>
-            <a:ahLst/>
-            <a:cxnLst>
-              <a:cxn ang="0">
-                <a:pos x="connsiteX0" y="connsiteY0"/>
-              </a:cxn>
-              <a:cxn ang="0">
-                <a:pos x="connsiteX1" y="connsiteY1"/>
-              </a:cxn>
-              <a:cxn ang="0">
-                <a:pos x="connsiteX2" y="connsiteY2"/>
-              </a:cxn>
-              <a:cxn ang="0">
-                <a:pos x="connsiteX3" y="connsiteY3"/>
-              </a:cxn>
-              <a:cxn ang="0">
-                <a:pos x="connsiteX4" y="connsiteY4"/>
-              </a:cxn>
-              <a:cxn ang="0">
-                <a:pos x="connsiteX5" y="connsiteY5"/>
-              </a:cxn>
-              <a:cxn ang="0">
-                <a:pos x="connsiteX6" y="connsiteY6"/>
-              </a:cxn>
-            </a:cxnLst>
-            <a:rect l="l" t="t" r="r" b="b"/>
-            <a:pathLst>
-              <a:path w="4167271" h="6858000">
-                <a:moveTo>
-                  <a:pt x="0" y="0"/>
-                </a:moveTo>
-                <a:lnTo>
-                  <a:pt x="2259550" y="0"/>
-                </a:lnTo>
-                <a:lnTo>
-                  <a:pt x="2387803" y="82222"/>
-                </a:lnTo>
-                <a:cubicBezTo>
-                  <a:pt x="3461407" y="807534"/>
-                  <a:pt x="4167271" y="2035835"/>
-                  <a:pt x="4167271" y="3429000"/>
-                </a:cubicBezTo>
-                <a:cubicBezTo>
-                  <a:pt x="4167271" y="4822165"/>
-                  <a:pt x="3461407" y="6050467"/>
-                  <a:pt x="2387803" y="6775779"/>
-                </a:cubicBezTo>
-                <a:lnTo>
-                  <a:pt x="2259550" y="6858000"/>
-                </a:lnTo>
-                <a:lnTo>
-                  <a:pt x="0" y="6858000"/>
-                </a:lnTo>
-                <a:close/>
-              </a:path>
-            </a:pathLst>
-          </a:custGeom>
-          <a:solidFill>
-            <a:schemeClr val="accent2"/>
-          </a:solidFill>
-          <a:ln>
-            <a:noFill/>
-          </a:ln>
-        </p:spPr>
-        <p:style>
-          <a:lnRef idx="2">
-            <a:schemeClr val="accent1">
-              <a:shade val="50000"/>
-            </a:schemeClr>
-          </a:lnRef>
-          <a:fillRef idx="1">
-            <a:schemeClr val="accent1"/>
-          </a:fillRef>
-          <a:effectRef idx="0">
-            <a:schemeClr val="accent1"/>
-          </a:effectRef>
-          <a:fontRef idx="minor">
-            <a:schemeClr val="lt1"/>
-          </a:fontRef>
-        </p:style>
-        <p:txBody>
-          <a:bodyPr rtlCol="0" anchor="ctr"/>
-          <a:lstStyle/>
-          <a:p>
-            <a:pPr algn="ctr"/>
-            <a:endParaRPr lang="en-US"/>
-          </a:p>
-        </p:txBody>
-      </p:sp>
-      <p:sp>
-        <p:nvSpPr>
-          <p:cNvPr id="2" name="Naslov 1">
-            <a:extLst>
-              <a:ext uri="{FF2B5EF4-FFF2-40B4-BE49-F238E27FC236}">
-                <a16:creationId xmlns:a16="http://schemas.microsoft.com/office/drawing/2014/main" id="{9F267A21-550A-4826-B76D-42FC032C4424}"/>
-              </a:ext>
-            </a:extLst>
-          </p:cNvPr>
-          <p:cNvSpPr>
-            <a:spLocks noGrp="1"/>
-          </p:cNvSpPr>
-          <p:nvPr>
-            <p:ph type="title"/>
-          </p:nvPr>
-        </p:nvSpPr>
-        <p:spPr>
-          <a:xfrm>
-            <a:off x="686834" y="1153572"/>
-            <a:ext cx="3200400" cy="4461163"/>
-          </a:xfrm>
-        </p:spPr>
-        <p:txBody>
-          <a:bodyPr>
-            <a:normAutofit/>
-          </a:bodyPr>
-          <a:lstStyle/>
-          <a:p>
-            <a:r>
-              <a:rPr lang="sr-Latn-RS">
-                <a:solidFill>
-                  <a:srgbClr val="FFFFFF"/>
-                </a:solidFill>
-                <a:cs typeface="Calibri Light"/>
-              </a:rPr>
-              <a:t>Kubernetes</a:t>
-            </a:r>
-            <a:endParaRPr lang="sr-Latn-RS">
-              <a:solidFill>
-                <a:srgbClr val="FFFFFF"/>
-              </a:solidFill>
-            </a:endParaRPr>
-          </a:p>
-        </p:txBody>
-      </p:sp>
-      <p:sp>
-        <p:nvSpPr>
-          <p:cNvPr id="12" name="Arc 11">
-            <a:extLst>
-              <a:ext uri="{FF2B5EF4-FFF2-40B4-BE49-F238E27FC236}">
-                <a16:creationId xmlns:a16="http://schemas.microsoft.com/office/drawing/2014/main" id="{081E4A58-353D-44AE-B2FC-2A74E2E400F7}"/>
-              </a:ext>
-              <a:ext uri="{C183D7F6-B498-43B3-948B-1728B52AA6E4}">
-                <adec:decorative xmlns:adec="http://schemas.microsoft.com/office/drawing/2017/decorative" val="1"/>
-              </a:ext>
-            </a:extLst>
-          </p:cNvPr>
-          <p:cNvSpPr>
-            <a:spLocks noGrp="1" noRot="1" noChangeAspect="1" noMove="1" noResize="1" noEditPoints="1" noAdjustHandles="1" noChangeArrowheads="1" noChangeShapeType="1" noTextEdit="1"/>
-          </p:cNvSpPr>
-          <p:nvPr>
-            <p:extLst>
-              <p:ext uri="{386F3935-93C4-4BCD-93E2-E3B085C9AB24}">
-                <p16:designElem xmlns:p16="http://schemas.microsoft.com/office/powerpoint/2015/main" val="1"/>
-              </p:ext>
-            </p:extLst>
-          </p:nvPr>
-        </p:nvSpPr>
-        <p:spPr>
-          <a:xfrm flipV="1">
-            <a:off x="7550402" y="2455479"/>
-            <a:ext cx="4083433" cy="4083433"/>
-          </a:xfrm>
-          <a:prstGeom prst="arc">
-            <a:avLst/>
-          </a:prstGeom>
-          <a:ln w="127000" cap="rnd">
-            <a:solidFill>
-              <a:schemeClr val="accent4"/>
-            </a:solidFill>
-            <a:prstDash val="dash"/>
-          </a:ln>
-        </p:spPr>
-        <p:style>
-          <a:lnRef idx="1">
-            <a:schemeClr val="accent1"/>
-          </a:lnRef>
-          <a:fillRef idx="0">
-            <a:schemeClr val="accent1"/>
-          </a:fillRef>
-          <a:effectRef idx="0">
-            <a:schemeClr val="accent1"/>
-          </a:effectRef>
-          <a:fontRef idx="minor">
-            <a:schemeClr val="tx1"/>
-          </a:fontRef>
-        </p:style>
-        <p:txBody>
-          <a:bodyPr rtlCol="0" anchor="ctr"/>
-          <a:lstStyle/>
-          <a:p>
-            <a:pPr algn="ctr"/>
-            <a:endParaRPr lang="en-US" dirty="0"/>
-          </a:p>
-        </p:txBody>
-      </p:sp>
-      <p:sp>
-        <p:nvSpPr>
-          <p:cNvPr id="3" name="Čuvar mesta za sadržaj 2">
-            <a:extLst>
-              <a:ext uri="{FF2B5EF4-FFF2-40B4-BE49-F238E27FC236}">
-                <a16:creationId xmlns:a16="http://schemas.microsoft.com/office/drawing/2014/main" id="{FD316511-1C94-4B73-8271-9A3659AC1FF1}"/>
-              </a:ext>
-            </a:extLst>
-          </p:cNvPr>
-          <p:cNvSpPr>
-            <a:spLocks noGrp="1"/>
-          </p:cNvSpPr>
-          <p:nvPr>
-            <p:ph idx="1"/>
-          </p:nvPr>
-        </p:nvSpPr>
-        <p:spPr>
-          <a:xfrm>
-            <a:off x="4447308" y="591344"/>
-            <a:ext cx="6906491" cy="5585619"/>
-          </a:xfrm>
-        </p:spPr>
-        <p:txBody>
-          <a:bodyPr vert="horz" lIns="91440" tIns="45720" rIns="91440" bIns="45720" rtlCol="0" anchor="ctr">
-            <a:normAutofit/>
-          </a:bodyPr>
-          <a:lstStyle/>
-          <a:p>
-            <a:pPr>
-              <a:spcBef>
-                <a:spcPts val="800"/>
-              </a:spcBef>
-              <a:buFont typeface="Wingdings,Sans-Serif" panose="020B0604020202020204" pitchFamily="34" charset="0"/>
-              <a:buChar char="§"/>
-            </a:pPr>
-            <a:r>
-              <a:rPr lang="en-US" sz="2000" b="1" dirty="0">
-                <a:latin typeface="Times New Roman"/>
-                <a:cs typeface="Times New Roman"/>
-              </a:rPr>
-              <a:t>Kubernetes</a:t>
-            </a:r>
-            <a:r>
-              <a:rPr lang="en-US" sz="2000" dirty="0">
-                <a:latin typeface="Times New Roman"/>
-                <a:cs typeface="Times New Roman"/>
-              </a:rPr>
-              <a:t> </a:t>
-            </a:r>
-            <a:r>
-              <a:rPr lang="sr-Latn-RS" sz="2000" dirty="0">
-                <a:latin typeface="Times New Roman"/>
-                <a:cs typeface="Times New Roman"/>
-              </a:rPr>
-              <a:t>predstavlja orkestracioni alat za rad sa mikroservisima ili za kontejnerizaciju aplikacija preko distribuiranog klastera čvorova.</a:t>
-            </a:r>
-            <a:endParaRPr lang="en-US" sz="2000" dirty="0">
-              <a:ea typeface="+mn-lt"/>
-              <a:cs typeface="+mn-lt"/>
-            </a:endParaRPr>
-          </a:p>
-          <a:p>
-            <a:pPr marL="0" indent="0">
-              <a:spcBef>
-                <a:spcPts val="800"/>
-              </a:spcBef>
-              <a:buNone/>
-            </a:pPr>
-            <a:endParaRPr lang="en-US" sz="2000" dirty="0">
-              <a:ea typeface="+mn-lt"/>
-              <a:cs typeface="+mn-lt"/>
-            </a:endParaRPr>
-          </a:p>
-          <a:p>
-            <a:pPr marL="0" indent="0">
-              <a:spcBef>
-                <a:spcPts val="800"/>
-              </a:spcBef>
-              <a:buNone/>
-            </a:pPr>
-            <a:endParaRPr lang="sr-Latn-RS" sz="2000" dirty="0">
-              <a:ea typeface="+mn-lt"/>
-              <a:cs typeface="+mn-lt"/>
-            </a:endParaRPr>
-          </a:p>
-          <a:p>
-            <a:pPr>
-              <a:spcBef>
-                <a:spcPts val="800"/>
-              </a:spcBef>
-              <a:buFont typeface="Wingdings,Sans-Serif" panose="020B0604020202020204" pitchFamily="34" charset="0"/>
-              <a:buChar char="§"/>
-            </a:pPr>
-            <a:r>
-              <a:rPr lang="sr-Latn-RS" sz="2000" dirty="0">
-                <a:latin typeface="Times New Roman"/>
-                <a:cs typeface="Times New Roman"/>
-              </a:rPr>
-              <a:t>Kubernetes klaster se sastoji od skupa radnih čvorova koji pokreću kontejnerizovane aplikacije. Ovi čvorovi se sastoji iz više čaura (Pods) koje predstavljaju komponente radnog opterećenja aplikacije. Kubernenes takođe sadrži i kontrolnu ravan koja upravlja radnim čvorovima i čaurama u njima.</a:t>
-            </a:r>
-            <a:endParaRPr lang="sr-Latn-RS" sz="2000" dirty="0"/>
-          </a:p>
-        </p:txBody>
-      </p:sp>
-    </p:spTree>
-    <p:extLst>
-      <p:ext uri="{BB962C8B-B14F-4D97-AF65-F5344CB8AC3E}">
-        <p14:creationId xmlns:p14="http://schemas.microsoft.com/office/powerpoint/2010/main" val="2755497326"/>
-      </p:ext>
-    </p:extLst>
-  </p:cSld>
-  <p:clrMapOvr>
-    <a:masterClrMapping/>
-  </p:clrMapOvr>
 </p:sld>
 </file>
 
